--- a/ppt/0223_2조_나현희_신원철 - 복사본.pptx
+++ b/ppt/0223_2조_나현희_신원철 - 복사본.pptx
@@ -5,16 +5,14 @@
     <p:sldMasterId id="2147483648" r:id="rId1"/>
   </p:sldMasterIdLst>
   <p:notesMasterIdLst>
-    <p:notesMasterId r:id="rId9"/>
+    <p:notesMasterId r:id="rId7"/>
   </p:notesMasterIdLst>
   <p:sldIdLst>
     <p:sldId id="257" r:id="rId2"/>
     <p:sldId id="259" r:id="rId3"/>
-    <p:sldId id="284" r:id="rId4"/>
-    <p:sldId id="287" r:id="rId5"/>
-    <p:sldId id="275" r:id="rId6"/>
-    <p:sldId id="289" r:id="rId7"/>
-    <p:sldId id="290" r:id="rId8"/>
+    <p:sldId id="289" r:id="rId4"/>
+    <p:sldId id="290" r:id="rId5"/>
+    <p:sldId id="291" r:id="rId6"/>
   </p:sldIdLst>
   <p:sldSz cx="9245600" cy="6840538"/>
   <p:notesSz cx="6858000" cy="9144000"/>
@@ -224,7 +222,7 @@
             <a:fld id="{01015650-063C-455C-8B59-3D8A2C6803D6}" type="datetimeFigureOut">
               <a:rPr lang="ko-KR" altLang="en-US" smtClean="0"/>
               <a:pPr/>
-              <a:t>2023-02-23</a:t>
+              <a:t>2023-02-27</a:t>
             </a:fld>
             <a:endParaRPr lang="ko-KR" altLang="en-US"/>
           </a:p>
@@ -802,30 +800,77 @@
           <a:bodyPr/>
           <a:lstStyle/>
           <a:p>
+            <a:pPr marL="0" marR="0" lvl="0" indent="0" algn="l" defTabSz="914400" rtl="0" eaLnBrk="1" fontAlgn="auto" latinLnBrk="1" hangingPunct="1">
+              <a:lnSpc>
+                <a:spcPct val="100000"/>
+              </a:lnSpc>
+              <a:spcBef>
+                <a:spcPts val="0"/>
+              </a:spcBef>
+              <a:spcAft>
+                <a:spcPts val="0"/>
+              </a:spcAft>
+              <a:buClrTx/>
+              <a:buSzTx/>
+              <a:buFontTx/>
+              <a:buNone/>
+              <a:tabLst/>
+              <a:defRPr/>
+            </a:pPr>
             <a:r>
               <a:rPr lang="ko-KR" altLang="en-US" dirty="0"/>
-              <a:t>화자 분리는 </a:t>
+              <a:t>저희 프로젝트 목표는 음성데이터를 </a:t>
             </a:r>
             <a:r>
               <a:rPr lang="en-US" altLang="ko-KR" dirty="0"/>
-              <a:t>2</a:t>
+              <a:t>text</a:t>
             </a:r>
             <a:r>
               <a:rPr lang="ko-KR" altLang="en-US" dirty="0"/>
-              <a:t>명 이상의 화자가 발언하는 음성에서 언제 어떤 화자가 말하는지를 분리해 주는 기술입니다</a:t>
+              <a:t>로 변환 후 요약문과 키워드를 추출하는 것 입니다</a:t>
             </a:r>
             <a:r>
               <a:rPr lang="en-US" altLang="ko-KR" dirty="0"/>
               <a:t>. </a:t>
             </a:r>
-          </a:p>
-          <a:p>
-            <a:endParaRPr lang="en-US" altLang="ko-KR" dirty="0"/>
-          </a:p>
-          <a:p>
             <a:r>
               <a:rPr lang="ko-KR" altLang="en-US" dirty="0"/>
-              <a:t>각각의 화자 음성 구간을 식별하고</a:t>
+              <a:t>단 기존 </a:t>
+            </a:r>
+            <a:r>
+              <a:rPr lang="en-US" altLang="ko-KR" dirty="0"/>
+              <a:t>STT</a:t>
+            </a:r>
+            <a:r>
+              <a:rPr lang="ko-KR" altLang="en-US" dirty="0"/>
+              <a:t>와 차별점을 두기 위해 음성 분리를 사용하여 음성데이터에서 특정 부분에 누가 말하고 있는지 구분하여 텍스트를 변환 후 이를 이용해 요약문과 키워드를 추출하기로 하였습니다</a:t>
+            </a:r>
+            <a:r>
+              <a:rPr lang="en-US" altLang="ko-KR" dirty="0"/>
+              <a:t>. </a:t>
+            </a:r>
+          </a:p>
+          <a:p>
+            <a:pPr marL="0" marR="0" lvl="0" indent="0" algn="l" defTabSz="914400" rtl="0" eaLnBrk="1" fontAlgn="auto" latinLnBrk="1" hangingPunct="1">
+              <a:lnSpc>
+                <a:spcPct val="100000"/>
+              </a:lnSpc>
+              <a:spcBef>
+                <a:spcPts val="0"/>
+              </a:spcBef>
+              <a:spcAft>
+                <a:spcPts val="0"/>
+              </a:spcAft>
+              <a:buClrTx/>
+              <a:buSzTx/>
+              <a:buFontTx/>
+              <a:buNone/>
+              <a:tabLst/>
+              <a:defRPr/>
+            </a:pPr>
+            <a:r>
+              <a:rPr lang="ko-KR" altLang="en-US" dirty="0"/>
+              <a:t>예를 들면 뉴스에서 아나운서가 발화하는 부분</a:t>
             </a:r>
             <a:r>
               <a:rPr lang="en-US" altLang="ko-KR" dirty="0"/>
@@ -833,554 +878,19 @@
             </a:r>
             <a:r>
               <a:rPr lang="ko-KR" altLang="en-US" dirty="0"/>
-              <a:t>동일한 화자가 말하는 모든 음성 구간을 그룹화한다</a:t>
+              <a:t>기자가 발화하는 부분</a:t>
+            </a:r>
+            <a:r>
+              <a:rPr lang="en-US" altLang="ko-KR" dirty="0"/>
+              <a:t>, </a:t>
+            </a:r>
+            <a:r>
+              <a:rPr lang="ko-KR" altLang="en-US" dirty="0"/>
+              <a:t>인터뷰 받는 사람이 발화하는 부분 등을 분리는 것 입니다</a:t>
             </a:r>
             <a:r>
               <a:rPr lang="en-US" altLang="ko-KR" dirty="0"/>
               <a:t>. </a:t>
-            </a:r>
-            <a:r>
-              <a:rPr lang="ko-KR" altLang="en-US" dirty="0"/>
-              <a:t>각 클러스터에 대해 화자를 식별하는 모델 학습하고 새로운 입력 데이터에서 각 화자를 식별 합니다</a:t>
-            </a:r>
-            <a:r>
-              <a:rPr lang="en-US" altLang="ko-KR" dirty="0"/>
-              <a:t>.</a:t>
-            </a:r>
-          </a:p>
-          <a:p>
-            <a:endParaRPr lang="en-US" altLang="ko-KR" dirty="0"/>
-          </a:p>
-          <a:p>
-            <a:endParaRPr lang="en-US" altLang="ko-KR" dirty="0"/>
-          </a:p>
-          <a:p>
-            <a:r>
-              <a:rPr lang="ko-KR" altLang="en-US" dirty="0"/>
-              <a:t>세가지 작업 화자 분할</a:t>
-            </a:r>
-            <a:r>
-              <a:rPr lang="en-US" altLang="ko-KR" dirty="0"/>
-              <a:t>, </a:t>
-            </a:r>
-            <a:r>
-              <a:rPr lang="ko-KR" altLang="en-US" dirty="0"/>
-              <a:t>클러스터링</a:t>
-            </a:r>
-            <a:r>
-              <a:rPr lang="en-US" altLang="ko-KR" dirty="0"/>
-              <a:t>, </a:t>
-            </a:r>
-            <a:r>
-              <a:rPr lang="ko-KR" altLang="en-US" dirty="0"/>
-              <a:t>식별 단계 </a:t>
-            </a:r>
-            <a:endParaRPr lang="en-US" altLang="ko-KR" dirty="0"/>
-          </a:p>
-          <a:p>
-            <a:endParaRPr lang="en-US" altLang="ko-KR" dirty="0"/>
-          </a:p>
-          <a:p>
-            <a:pPr algn="l">
-              <a:buFont typeface="Arial" panose="020B0604020202020204" pitchFamily="34" charset="0"/>
-              <a:buChar char="•"/>
-            </a:pPr>
-            <a:r>
-              <a:rPr lang="en-US" altLang="ko-KR" b="0" i="0" dirty="0">
-                <a:solidFill>
-                  <a:srgbClr val="222831"/>
-                </a:solidFill>
-                <a:effectLst/>
-                <a:latin typeface="-apple-system"/>
-              </a:rPr>
-              <a:t>Data Preprocessing : </a:t>
-            </a:r>
-            <a:r>
-              <a:rPr lang="ko-KR" altLang="en-US" b="0" i="0" dirty="0">
-                <a:solidFill>
-                  <a:srgbClr val="222831"/>
-                </a:solidFill>
-                <a:effectLst/>
-                <a:latin typeface="-apple-system"/>
-              </a:rPr>
-              <a:t>데이터 </a:t>
-            </a:r>
-            <a:r>
-              <a:rPr lang="ko-KR" altLang="en-US" b="0" i="0" dirty="0" err="1">
-                <a:solidFill>
-                  <a:srgbClr val="222831"/>
-                </a:solidFill>
-                <a:effectLst/>
-                <a:latin typeface="-apple-system"/>
-              </a:rPr>
-              <a:t>전처리</a:t>
-            </a:r>
-            <a:r>
-              <a:rPr lang="en-US" altLang="ko-KR" b="0" i="0" dirty="0">
-                <a:solidFill>
-                  <a:srgbClr val="222831"/>
-                </a:solidFill>
-                <a:effectLst/>
-                <a:latin typeface="-apple-system"/>
-              </a:rPr>
-              <a:t>. </a:t>
-            </a:r>
-            <a:r>
-              <a:rPr lang="ko-KR" altLang="en-US" b="0" i="0" dirty="0">
-                <a:solidFill>
-                  <a:srgbClr val="222831"/>
-                </a:solidFill>
-                <a:effectLst/>
-                <a:latin typeface="-apple-system"/>
-              </a:rPr>
-              <a:t>특정 도메인에 따라 경향성을 갖는데</a:t>
-            </a:r>
-            <a:r>
-              <a:rPr lang="en-US" altLang="ko-KR" b="0" i="0" dirty="0">
-                <a:solidFill>
-                  <a:srgbClr val="222831"/>
-                </a:solidFill>
-                <a:effectLst/>
-                <a:latin typeface="-apple-system"/>
-              </a:rPr>
-              <a:t>, </a:t>
-            </a:r>
-            <a:r>
-              <a:rPr lang="ko-KR" altLang="en-US" b="0" i="0" dirty="0">
-                <a:solidFill>
-                  <a:srgbClr val="222831"/>
-                </a:solidFill>
-                <a:effectLst/>
-                <a:latin typeface="-apple-system"/>
-              </a:rPr>
-              <a:t>회의 도메인의 경우에는 잡음 제거</a:t>
-            </a:r>
-            <a:r>
-              <a:rPr lang="en-US" altLang="ko-KR" b="0" i="0" dirty="0">
-                <a:solidFill>
-                  <a:srgbClr val="222831"/>
-                </a:solidFill>
-                <a:effectLst/>
-                <a:latin typeface="-apple-system"/>
-              </a:rPr>
-              <a:t>(Wiener filtering </a:t>
-            </a:r>
-            <a:r>
-              <a:rPr lang="ko-KR" altLang="en-US" b="0" i="0" dirty="0">
-                <a:solidFill>
-                  <a:srgbClr val="222831"/>
-                </a:solidFill>
-                <a:effectLst/>
-                <a:latin typeface="-apple-system"/>
-              </a:rPr>
-              <a:t>등</a:t>
-            </a:r>
-            <a:r>
-              <a:rPr lang="en-US" altLang="ko-KR" b="0" i="0" dirty="0">
-                <a:solidFill>
-                  <a:srgbClr val="222831"/>
-                </a:solidFill>
-                <a:effectLst/>
-                <a:latin typeface="-apple-system"/>
-              </a:rPr>
-              <a:t>..), </a:t>
-            </a:r>
-            <a:r>
-              <a:rPr lang="ko-KR" altLang="en-US" b="0" i="0" dirty="0">
-                <a:solidFill>
-                  <a:srgbClr val="222831"/>
-                </a:solidFill>
-                <a:effectLst/>
-                <a:latin typeface="-apple-system"/>
-              </a:rPr>
-              <a:t>다채널 음향 </a:t>
-            </a:r>
-            <a:r>
-              <a:rPr lang="ko-KR" altLang="en-US" b="0" i="0" dirty="0" err="1">
-                <a:solidFill>
-                  <a:srgbClr val="222831"/>
-                </a:solidFill>
-                <a:effectLst/>
-                <a:latin typeface="-apple-system"/>
-              </a:rPr>
-              <a:t>빔포밍</a:t>
-            </a:r>
-            <a:r>
-              <a:rPr lang="en-US" altLang="ko-KR" b="0" i="0" dirty="0">
-                <a:solidFill>
-                  <a:srgbClr val="222831"/>
-                </a:solidFill>
-                <a:effectLst/>
-                <a:latin typeface="-apple-system"/>
-              </a:rPr>
-              <a:t>, </a:t>
-            </a:r>
-            <a:r>
-              <a:rPr lang="ko-KR" altLang="en-US" b="0" i="0" dirty="0" err="1">
-                <a:solidFill>
-                  <a:srgbClr val="222831"/>
-                </a:solidFill>
-                <a:effectLst/>
-                <a:latin typeface="-apple-system"/>
-              </a:rPr>
-              <a:t>피쳐</a:t>
-            </a:r>
-            <a:r>
-              <a:rPr lang="ko-KR" altLang="en-US" b="0" i="0" dirty="0">
-                <a:solidFill>
-                  <a:srgbClr val="222831"/>
-                </a:solidFill>
-                <a:effectLst/>
-                <a:latin typeface="-apple-system"/>
-              </a:rPr>
-              <a:t> 추출</a:t>
-            </a:r>
-            <a:r>
-              <a:rPr lang="en-US" altLang="ko-KR" b="0" i="0" dirty="0">
-                <a:solidFill>
-                  <a:srgbClr val="222831"/>
-                </a:solidFill>
-                <a:effectLst/>
-                <a:latin typeface="-apple-system"/>
-              </a:rPr>
-              <a:t>(MFCC, PLP </a:t>
-            </a:r>
-            <a:r>
-              <a:rPr lang="ko-KR" altLang="en-US" b="0" i="0" dirty="0">
-                <a:solidFill>
-                  <a:srgbClr val="222831"/>
-                </a:solidFill>
-                <a:effectLst/>
-                <a:latin typeface="-apple-system"/>
-              </a:rPr>
-              <a:t>등</a:t>
-            </a:r>
-            <a:r>
-              <a:rPr lang="en-US" altLang="ko-KR" b="0" i="0" dirty="0">
-                <a:solidFill>
-                  <a:srgbClr val="222831"/>
-                </a:solidFill>
-                <a:effectLst/>
-                <a:latin typeface="-apple-system"/>
-              </a:rPr>
-              <a:t>..), </a:t>
-            </a:r>
-            <a:r>
-              <a:rPr lang="ko-KR" altLang="en-US" b="0" i="0" dirty="0">
-                <a:solidFill>
-                  <a:srgbClr val="222831"/>
-                </a:solidFill>
-                <a:effectLst/>
-                <a:latin typeface="-apple-system"/>
-              </a:rPr>
-              <a:t>음성 구간 검출 등을 필요로 함</a:t>
-            </a:r>
-            <a:r>
-              <a:rPr lang="en-US" altLang="ko-KR" b="0" i="0" dirty="0">
-                <a:solidFill>
-                  <a:srgbClr val="222831"/>
-                </a:solidFill>
-                <a:effectLst/>
-                <a:latin typeface="-apple-system"/>
-              </a:rPr>
-              <a:t>.</a:t>
-            </a:r>
-          </a:p>
-          <a:p>
-            <a:pPr algn="l">
-              <a:buFont typeface="Arial" panose="020B0604020202020204" pitchFamily="34" charset="0"/>
-              <a:buChar char="•"/>
-            </a:pPr>
-            <a:endParaRPr lang="en-US" altLang="ko-KR" b="0" i="0" dirty="0">
-              <a:solidFill>
-                <a:srgbClr val="222831"/>
-              </a:solidFill>
-              <a:effectLst/>
-              <a:latin typeface="-apple-system"/>
-            </a:endParaRPr>
-          </a:p>
-          <a:p>
-            <a:pPr algn="l">
-              <a:buFont typeface="Arial" panose="020B0604020202020204" pitchFamily="34" charset="0"/>
-              <a:buChar char="•"/>
-            </a:pPr>
-            <a:r>
-              <a:rPr lang="en-US" altLang="ko-KR" b="0" i="0" dirty="0">
-                <a:solidFill>
-                  <a:srgbClr val="222831"/>
-                </a:solidFill>
-                <a:effectLst/>
-                <a:latin typeface="-apple-system"/>
-              </a:rPr>
-              <a:t>Cluster Initialization : </a:t>
-            </a:r>
-            <a:r>
-              <a:rPr lang="ko-KR" altLang="en-US" b="0" i="0" dirty="0">
-                <a:solidFill>
-                  <a:srgbClr val="222831"/>
-                </a:solidFill>
-                <a:effectLst/>
-                <a:latin typeface="-apple-system"/>
-              </a:rPr>
-              <a:t>클러스터 초기화를 의미하며</a:t>
-            </a:r>
-            <a:r>
-              <a:rPr lang="en-US" altLang="ko-KR" b="0" i="0" dirty="0">
-                <a:solidFill>
-                  <a:srgbClr val="222831"/>
-                </a:solidFill>
-                <a:effectLst/>
-                <a:latin typeface="-apple-system"/>
-              </a:rPr>
-              <a:t>, </a:t>
-            </a:r>
-            <a:r>
-              <a:rPr lang="ko-KR" altLang="en-US" b="0" i="0" dirty="0">
-                <a:solidFill>
-                  <a:srgbClr val="222831"/>
-                </a:solidFill>
-                <a:effectLst/>
-                <a:latin typeface="-apple-system"/>
-              </a:rPr>
-              <a:t>어떻게 초기화할지는 접근 방법</a:t>
-            </a:r>
-            <a:r>
-              <a:rPr lang="en-US" altLang="ko-KR" b="0" i="0" dirty="0">
-                <a:solidFill>
-                  <a:srgbClr val="222831"/>
-                </a:solidFill>
-                <a:effectLst/>
-                <a:latin typeface="-apple-system"/>
-              </a:rPr>
-              <a:t>(Top-Down or Bottom-Up)</a:t>
-            </a:r>
-            <a:r>
-              <a:rPr lang="ko-KR" altLang="en-US" b="0" i="0" dirty="0">
-                <a:solidFill>
-                  <a:srgbClr val="222831"/>
-                </a:solidFill>
-                <a:effectLst/>
-                <a:latin typeface="-apple-system"/>
-              </a:rPr>
-              <a:t>에 따라 다름</a:t>
-            </a:r>
-            <a:r>
-              <a:rPr lang="en-US" altLang="ko-KR" b="0" i="0" dirty="0">
-                <a:solidFill>
-                  <a:srgbClr val="222831"/>
-                </a:solidFill>
-                <a:effectLst/>
-                <a:latin typeface="-apple-system"/>
-              </a:rPr>
-              <a:t>.</a:t>
-            </a:r>
-          </a:p>
-          <a:p>
-            <a:pPr algn="l">
-              <a:buFont typeface="Arial" panose="020B0604020202020204" pitchFamily="34" charset="0"/>
-              <a:buChar char="•"/>
-            </a:pPr>
-            <a:endParaRPr lang="en-US" altLang="ko-KR" b="0" i="0" dirty="0">
-              <a:solidFill>
-                <a:srgbClr val="222831"/>
-              </a:solidFill>
-              <a:effectLst/>
-              <a:latin typeface="-apple-system"/>
-            </a:endParaRPr>
-          </a:p>
-          <a:p>
-            <a:pPr algn="l">
-              <a:buFont typeface="Arial" panose="020B0604020202020204" pitchFamily="34" charset="0"/>
-              <a:buChar char="•"/>
-            </a:pPr>
-            <a:r>
-              <a:rPr lang="en-US" altLang="ko-KR" b="0" i="0" dirty="0">
-                <a:solidFill>
-                  <a:srgbClr val="222831"/>
-                </a:solidFill>
-                <a:effectLst/>
-                <a:latin typeface="-apple-system"/>
-              </a:rPr>
-              <a:t>Merge/Split &amp; Cluster Distances : </a:t>
-            </a:r>
-            <a:r>
-              <a:rPr lang="ko-KR" altLang="en-US" b="0" i="0" dirty="0" err="1">
-                <a:solidFill>
-                  <a:srgbClr val="222831"/>
-                </a:solidFill>
-                <a:effectLst/>
-                <a:latin typeface="-apple-system"/>
-              </a:rPr>
-              <a:t>클러스터간의</a:t>
-            </a:r>
-            <a:r>
-              <a:rPr lang="ko-KR" altLang="en-US" b="0" i="0" dirty="0">
-                <a:solidFill>
-                  <a:srgbClr val="222831"/>
-                </a:solidFill>
-                <a:effectLst/>
-                <a:latin typeface="-apple-system"/>
-              </a:rPr>
-              <a:t> 거리 측정 알고리즘을 통해 거리를 측정하고</a:t>
-            </a:r>
-            <a:r>
-              <a:rPr lang="en-US" altLang="ko-KR" b="0" i="0" dirty="0">
-                <a:solidFill>
-                  <a:srgbClr val="222831"/>
-                </a:solidFill>
-                <a:effectLst/>
-                <a:latin typeface="-apple-system"/>
-              </a:rPr>
-              <a:t>, </a:t>
-            </a:r>
-            <a:r>
-              <a:rPr lang="ko-KR" altLang="en-US" b="0" i="0" dirty="0">
-                <a:solidFill>
-                  <a:srgbClr val="222831"/>
-                </a:solidFill>
-                <a:effectLst/>
-                <a:latin typeface="-apple-system"/>
-              </a:rPr>
-              <a:t>접근 방법에 따라 클러스터를 나누거나 분리</a:t>
-            </a:r>
-            <a:r>
-              <a:rPr lang="en-US" altLang="ko-KR" b="0" i="0" dirty="0">
-                <a:solidFill>
-                  <a:srgbClr val="222831"/>
-                </a:solidFill>
-                <a:effectLst/>
-                <a:latin typeface="-apple-system"/>
-              </a:rPr>
-              <a:t>. </a:t>
-            </a:r>
-            <a:r>
-              <a:rPr lang="ko-KR" altLang="en-US" b="0" i="0" dirty="0">
-                <a:solidFill>
-                  <a:srgbClr val="222831"/>
-                </a:solidFill>
-                <a:effectLst/>
-                <a:latin typeface="-apple-system"/>
-              </a:rPr>
-              <a:t>경우에 따라서 데이터 정제</a:t>
-            </a:r>
-            <a:r>
-              <a:rPr lang="en-US" altLang="ko-KR" b="0" i="0" dirty="0">
-                <a:solidFill>
-                  <a:srgbClr val="222831"/>
-                </a:solidFill>
-                <a:effectLst/>
-                <a:latin typeface="-apple-system"/>
-              </a:rPr>
-              <a:t>(data purification)</a:t>
-            </a:r>
-            <a:r>
-              <a:rPr lang="ko-KR" altLang="en-US" b="0" i="0" dirty="0">
-                <a:solidFill>
-                  <a:srgbClr val="222831"/>
-                </a:solidFill>
-                <a:effectLst/>
-                <a:latin typeface="-apple-system"/>
-              </a:rPr>
-              <a:t>작업을 거치기도 함</a:t>
-            </a:r>
-            <a:r>
-              <a:rPr lang="en-US" altLang="ko-KR" b="0" i="0" dirty="0">
-                <a:solidFill>
-                  <a:srgbClr val="222831"/>
-                </a:solidFill>
-                <a:effectLst/>
-                <a:latin typeface="-apple-system"/>
-              </a:rPr>
-              <a:t>.</a:t>
-            </a:r>
-          </a:p>
-          <a:p>
-            <a:pPr algn="l">
-              <a:buFont typeface="Arial" panose="020B0604020202020204" pitchFamily="34" charset="0"/>
-              <a:buChar char="•"/>
-            </a:pPr>
-            <a:endParaRPr lang="en-US" altLang="ko-KR" b="0" i="0" dirty="0">
-              <a:solidFill>
-                <a:srgbClr val="222831"/>
-              </a:solidFill>
-              <a:effectLst/>
-              <a:latin typeface="-apple-system"/>
-            </a:endParaRPr>
-          </a:p>
-          <a:p>
-            <a:pPr algn="l">
-              <a:buFont typeface="Arial" panose="020B0604020202020204" pitchFamily="34" charset="0"/>
-              <a:buChar char="•"/>
-            </a:pPr>
-            <a:r>
-              <a:rPr lang="en-US" altLang="ko-KR" b="0" i="0" dirty="0">
-                <a:solidFill>
-                  <a:srgbClr val="222831"/>
-                </a:solidFill>
-                <a:effectLst/>
-                <a:latin typeface="-apple-system"/>
-              </a:rPr>
-              <a:t>Stopping Criterion : </a:t>
-            </a:r>
-            <a:r>
-              <a:rPr lang="ko-KR" altLang="en-US" b="0" i="0" dirty="0">
-                <a:solidFill>
-                  <a:srgbClr val="222831"/>
-                </a:solidFill>
-                <a:effectLst/>
-                <a:latin typeface="-apple-system"/>
-              </a:rPr>
-              <a:t>최적의 클러스터 </a:t>
-            </a:r>
-            <a:r>
-              <a:rPr lang="ko-KR" altLang="en-US" b="0" i="0" dirty="0" err="1">
-                <a:solidFill>
-                  <a:srgbClr val="222831"/>
-                </a:solidFill>
-                <a:effectLst/>
-                <a:latin typeface="-apple-system"/>
-              </a:rPr>
-              <a:t>갯수가</a:t>
-            </a:r>
-            <a:r>
-              <a:rPr lang="ko-KR" altLang="en-US" b="0" i="0" dirty="0">
-                <a:solidFill>
-                  <a:srgbClr val="222831"/>
-                </a:solidFill>
-                <a:effectLst/>
-                <a:latin typeface="-apple-system"/>
-              </a:rPr>
-              <a:t> </a:t>
-            </a:r>
-            <a:r>
-              <a:rPr lang="ko-KR" altLang="en-US" b="0" i="0" dirty="0" err="1">
-                <a:solidFill>
-                  <a:srgbClr val="222831"/>
-                </a:solidFill>
-                <a:effectLst/>
-                <a:latin typeface="-apple-system"/>
-              </a:rPr>
-              <a:t>되었을때의</a:t>
-            </a:r>
-            <a:r>
-              <a:rPr lang="ko-KR" altLang="en-US" b="0" i="0" dirty="0">
-                <a:solidFill>
-                  <a:srgbClr val="222831"/>
-                </a:solidFill>
-                <a:effectLst/>
-                <a:latin typeface="-apple-system"/>
-              </a:rPr>
-              <a:t> 정지 기준</a:t>
-            </a:r>
-            <a:r>
-              <a:rPr lang="en-US" altLang="ko-KR" b="0" i="0" dirty="0">
-                <a:solidFill>
-                  <a:srgbClr val="222831"/>
-                </a:solidFill>
-                <a:effectLst/>
-                <a:latin typeface="-apple-system"/>
-              </a:rPr>
-              <a:t>.</a:t>
             </a:r>
           </a:p>
         </p:txBody>
@@ -1412,7 +922,7 @@
     </p:spTree>
     <p:extLst>
       <p:ext uri="{BB962C8B-B14F-4D97-AF65-F5344CB8AC3E}">
-        <p14:creationId xmlns:p14="http://schemas.microsoft.com/office/powerpoint/2010/main" val="3465192962"/>
+        <p14:creationId xmlns:p14="http://schemas.microsoft.com/office/powerpoint/2010/main" val="3675670858"/>
       </p:ext>
     </p:extLst>
   </p:cSld>
@@ -1466,9 +976,34 @@
           <a:bodyPr/>
           <a:lstStyle/>
           <a:p>
+            <a:pPr marL="0" marR="0" lvl="0" indent="0" algn="l" defTabSz="914400" rtl="0" eaLnBrk="1" fontAlgn="auto" latinLnBrk="1" hangingPunct="1">
+              <a:lnSpc>
+                <a:spcPct val="100000"/>
+              </a:lnSpc>
+              <a:spcBef>
+                <a:spcPts val="0"/>
+              </a:spcBef>
+              <a:spcAft>
+                <a:spcPts val="0"/>
+              </a:spcAft>
+              <a:buClrTx/>
+              <a:buSzTx/>
+              <a:buFontTx/>
+              <a:buNone/>
+              <a:tabLst/>
+              <a:defRPr/>
+            </a:pPr>
             <a:r>
               <a:rPr lang="ko-KR" altLang="en-US" dirty="0"/>
-              <a:t>저희 계획도는 다음과 같이 변경되었습니다</a:t>
+              <a:t>저희 프로젝트 목표는 음성데이터를 </a:t>
+            </a:r>
+            <a:r>
+              <a:rPr lang="en-US" altLang="ko-KR" dirty="0"/>
+              <a:t>text</a:t>
+            </a:r>
+            <a:r>
+              <a:rPr lang="ko-KR" altLang="en-US" dirty="0"/>
+              <a:t>로 변환 후 요약문과 키워드를 추출하는 것 입니다</a:t>
             </a:r>
             <a:r>
               <a:rPr lang="en-US" altLang="ko-KR" dirty="0"/>
@@ -1476,21 +1011,63 @@
             </a:r>
             <a:r>
               <a:rPr lang="ko-KR" altLang="en-US" dirty="0"/>
-              <a:t>음성 데이터를 가지고 화자 분리를 한 정보와 </a:t>
-            </a:r>
-            <a:r>
-              <a:rPr lang="en-US" altLang="ko-KR" dirty="0" err="1"/>
-              <a:t>stt</a:t>
+              <a:t>단 기존 </a:t>
+            </a:r>
+            <a:r>
+              <a:rPr lang="en-US" altLang="ko-KR" dirty="0"/>
+              <a:t>STT</a:t>
             </a:r>
             <a:r>
               <a:rPr lang="ko-KR" altLang="en-US" dirty="0"/>
-              <a:t>로 추출한 텍스트 정보를 결합하여 텍스트 후처리를 진행할 계획입니다</a:t>
+              <a:t>와 차별점을 두기 위해 음성 분리를 사용하여 음성데이터에서 특정 부분에 누가 말하고 있는지 구분하여 텍스트를 변환 후 이를 이용해 요약문과 키워드를 추출하기로 하였습니다</a:t>
             </a:r>
             <a:r>
               <a:rPr lang="en-US" altLang="ko-KR" dirty="0"/>
               <a:t>. </a:t>
             </a:r>
-            <a:endParaRPr lang="ko-KR" altLang="en-US" dirty="0"/>
+          </a:p>
+          <a:p>
+            <a:pPr marL="0" marR="0" lvl="0" indent="0" algn="l" defTabSz="914400" rtl="0" eaLnBrk="1" fontAlgn="auto" latinLnBrk="1" hangingPunct="1">
+              <a:lnSpc>
+                <a:spcPct val="100000"/>
+              </a:lnSpc>
+              <a:spcBef>
+                <a:spcPts val="0"/>
+              </a:spcBef>
+              <a:spcAft>
+                <a:spcPts val="0"/>
+              </a:spcAft>
+              <a:buClrTx/>
+              <a:buSzTx/>
+              <a:buFontTx/>
+              <a:buNone/>
+              <a:tabLst/>
+              <a:defRPr/>
+            </a:pPr>
+            <a:r>
+              <a:rPr lang="ko-KR" altLang="en-US" dirty="0"/>
+              <a:t>예를 들면 뉴스에서 아나운서가 발화하는 부분</a:t>
+            </a:r>
+            <a:r>
+              <a:rPr lang="en-US" altLang="ko-KR" dirty="0"/>
+              <a:t>, </a:t>
+            </a:r>
+            <a:r>
+              <a:rPr lang="ko-KR" altLang="en-US" dirty="0"/>
+              <a:t>기자가 발화하는 부분</a:t>
+            </a:r>
+            <a:r>
+              <a:rPr lang="en-US" altLang="ko-KR" dirty="0"/>
+              <a:t>, </a:t>
+            </a:r>
+            <a:r>
+              <a:rPr lang="ko-KR" altLang="en-US" dirty="0"/>
+              <a:t>인터뷰 받는 사람이 발화하는 부분 등을 분리는 것 입니다</a:t>
+            </a:r>
+            <a:r>
+              <a:rPr lang="en-US" altLang="ko-KR" dirty="0"/>
+              <a:t>. </a:t>
+            </a:r>
           </a:p>
         </p:txBody>
       </p:sp>
@@ -1521,7 +1098,7 @@
     </p:spTree>
     <p:extLst>
       <p:ext uri="{BB962C8B-B14F-4D97-AF65-F5344CB8AC3E}">
-        <p14:creationId xmlns:p14="http://schemas.microsoft.com/office/powerpoint/2010/main" val="259178479"/>
+        <p14:creationId xmlns:p14="http://schemas.microsoft.com/office/powerpoint/2010/main" val="1351074473"/>
       </p:ext>
     </p:extLst>
   </p:cSld>
@@ -1575,109 +1152,98 @@
           <a:bodyPr/>
           <a:lstStyle/>
           <a:p>
+            <a:pPr marL="0" marR="0" lvl="0" indent="0" algn="l" defTabSz="914400" rtl="0" eaLnBrk="1" fontAlgn="auto" latinLnBrk="1" hangingPunct="1">
+              <a:lnSpc>
+                <a:spcPct val="100000"/>
+              </a:lnSpc>
+              <a:spcBef>
+                <a:spcPts val="0"/>
+              </a:spcBef>
+              <a:spcAft>
+                <a:spcPts val="0"/>
+              </a:spcAft>
+              <a:buClrTx/>
+              <a:buSzTx/>
+              <a:buFontTx/>
+              <a:buNone/>
+              <a:tabLst/>
+              <a:defRPr/>
+            </a:pPr>
             <a:r>
               <a:rPr lang="ko-KR" altLang="en-US" dirty="0"/>
-              <a:t>저희가 화자 분리를 하기 위해 사용할 </a:t>
+              <a:t>저희 프로젝트 목표는 음성데이터를 </a:t>
             </a:r>
             <a:r>
               <a:rPr lang="en-US" altLang="ko-KR" dirty="0"/>
-              <a:t>UIS-RNN</a:t>
+              <a:t>text</a:t>
             </a:r>
             <a:r>
               <a:rPr lang="ko-KR" altLang="en-US" dirty="0"/>
-              <a:t>은 다중 화자의 음성 데이터를 각 화자별로 분리 해주는 모델  </a:t>
-            </a:r>
-            <a:endParaRPr lang="en-US" altLang="ko-KR" dirty="0"/>
-          </a:p>
-          <a:p>
-            <a:r>
-              <a:rPr lang="en-US" altLang="ko-KR" b="0" i="0" dirty="0">
-                <a:solidFill>
-                  <a:srgbClr val="D1D5DB"/>
-                </a:solidFill>
-                <a:effectLst/>
-                <a:latin typeface="Söhne"/>
-              </a:rPr>
-              <a:t>speaker-independent</a:t>
-            </a:r>
-            <a:r>
-              <a:rPr lang="ko-KR" altLang="en-US" b="0" i="0" dirty="0">
-                <a:solidFill>
-                  <a:srgbClr val="D1D5DB"/>
-                </a:solidFill>
-                <a:effectLst/>
-                <a:latin typeface="Söhne"/>
-              </a:rPr>
-              <a:t>한</a:t>
-            </a:r>
-            <a:r>
-              <a:rPr lang="en-US" altLang="ko-KR" b="0" i="0" dirty="0">
-                <a:solidFill>
-                  <a:srgbClr val="D1D5DB"/>
-                </a:solidFill>
-                <a:effectLst/>
-                <a:latin typeface="Söhne"/>
-              </a:rPr>
-              <a:t> </a:t>
-            </a:r>
-            <a:r>
-              <a:rPr lang="ko-KR" altLang="en-US" b="0" i="0" dirty="0">
-                <a:solidFill>
-                  <a:srgbClr val="D1D5DB"/>
-                </a:solidFill>
-                <a:effectLst/>
-                <a:latin typeface="Söhne"/>
-              </a:rPr>
-              <a:t>성능을 보이는 장점을 갖는 </a:t>
-            </a:r>
-            <a:r>
-              <a:rPr lang="en-US" altLang="ko-KR" b="0" i="0" dirty="0">
-                <a:solidFill>
-                  <a:srgbClr val="D1D5DB"/>
-                </a:solidFill>
-                <a:effectLst/>
-                <a:latin typeface="Söhne"/>
-              </a:rPr>
-              <a:t>RNN </a:t>
-            </a:r>
-            <a:r>
-              <a:rPr lang="ko-KR" altLang="en-US" b="0" i="0" dirty="0">
-                <a:solidFill>
-                  <a:srgbClr val="D1D5DB"/>
-                </a:solidFill>
-                <a:effectLst/>
-                <a:latin typeface="Söhne"/>
-              </a:rPr>
-              <a:t>기반의 모델이다</a:t>
-            </a:r>
-            <a:r>
-              <a:rPr lang="en-US" altLang="ko-KR" b="0" i="0" dirty="0">
-                <a:solidFill>
-                  <a:srgbClr val="D1D5DB"/>
-                </a:solidFill>
-                <a:effectLst/>
-                <a:latin typeface="Söhne"/>
-              </a:rPr>
+              <a:t>로 변환 후 요약문과 키워드를 추출하는 것 입니다</a:t>
+            </a:r>
+            <a:r>
+              <a:rPr lang="en-US" altLang="ko-KR" dirty="0"/>
               <a:t>. </a:t>
             </a:r>
-          </a:p>
-          <a:p>
-            <a:endParaRPr lang="en-US" altLang="ko-KR" b="0" i="0" dirty="0">
-              <a:solidFill>
-                <a:srgbClr val="D1D5DB"/>
-              </a:solidFill>
-              <a:effectLst/>
-              <a:latin typeface="Söhne"/>
-            </a:endParaRPr>
-          </a:p>
-          <a:p>
-            <a:endParaRPr lang="en-US" altLang="ko-KR" b="0" i="0" dirty="0">
-              <a:solidFill>
-                <a:srgbClr val="D1D5DB"/>
-              </a:solidFill>
-              <a:effectLst/>
-              <a:latin typeface="Söhne"/>
-            </a:endParaRPr>
+            <a:r>
+              <a:rPr lang="ko-KR" altLang="en-US" dirty="0"/>
+              <a:t>단 기존 </a:t>
+            </a:r>
+            <a:r>
+              <a:rPr lang="en-US" altLang="ko-KR" dirty="0"/>
+              <a:t>STT</a:t>
+            </a:r>
+            <a:r>
+              <a:rPr lang="ko-KR" altLang="en-US" dirty="0"/>
+              <a:t>와 차별점을 두기 위해 음성 분리를 사용하여 음성데이터에서 특정 부분에 누가 말하고 있는지 구분하여 텍스트를 변환 후 이를 이용해 요약문과 키워드를 추출하기로 하였습니다</a:t>
+            </a:r>
+            <a:r>
+              <a:rPr lang="en-US" altLang="ko-KR" dirty="0"/>
+              <a:t>. </a:t>
+            </a:r>
+          </a:p>
+          <a:p>
+            <a:pPr marL="0" marR="0" lvl="0" indent="0" algn="l" defTabSz="914400" rtl="0" eaLnBrk="1" fontAlgn="auto" latinLnBrk="1" hangingPunct="1">
+              <a:lnSpc>
+                <a:spcPct val="100000"/>
+              </a:lnSpc>
+              <a:spcBef>
+                <a:spcPts val="0"/>
+              </a:spcBef>
+              <a:spcAft>
+                <a:spcPts val="0"/>
+              </a:spcAft>
+              <a:buClrTx/>
+              <a:buSzTx/>
+              <a:buFontTx/>
+              <a:buNone/>
+              <a:tabLst/>
+              <a:defRPr/>
+            </a:pPr>
+            <a:r>
+              <a:rPr lang="ko-KR" altLang="en-US" dirty="0"/>
+              <a:t>예를 들면 뉴스에서 아나운서가 발화하는 부분</a:t>
+            </a:r>
+            <a:r>
+              <a:rPr lang="en-US" altLang="ko-KR" dirty="0"/>
+              <a:t>, </a:t>
+            </a:r>
+            <a:r>
+              <a:rPr lang="ko-KR" altLang="en-US" dirty="0"/>
+              <a:t>기자가 발화하는 부분</a:t>
+            </a:r>
+            <a:r>
+              <a:rPr lang="en-US" altLang="ko-KR" dirty="0"/>
+              <a:t>, </a:t>
+            </a:r>
+            <a:r>
+              <a:rPr lang="ko-KR" altLang="en-US" dirty="0"/>
+              <a:t>인터뷰 받는 사람이 발화하는 부분 등을 분리는 것 입니다</a:t>
+            </a:r>
+            <a:r>
+              <a:rPr lang="en-US" altLang="ko-KR" dirty="0"/>
+              <a:t>. </a:t>
+            </a:r>
           </a:p>
         </p:txBody>
       </p:sp>
@@ -1708,253 +1274,7 @@
     </p:spTree>
     <p:extLst>
       <p:ext uri="{BB962C8B-B14F-4D97-AF65-F5344CB8AC3E}">
-        <p14:creationId xmlns:p14="http://schemas.microsoft.com/office/powerpoint/2010/main" val="899769261"/>
-      </p:ext>
-    </p:extLst>
-  </p:cSld>
-  <p:clrMapOvr>
-    <a:masterClrMapping/>
-  </p:clrMapOvr>
-</p:notes>
-</file>
-
-<file path=ppt/notesSlides/notesSlide6.xml><?xml version="1.0" encoding="utf-8"?>
-<p:notes xmlns:a="http://schemas.openxmlformats.org/drawingml/2006/main" xmlns:r="http://schemas.openxmlformats.org/officeDocument/2006/relationships" xmlns:p="http://schemas.openxmlformats.org/presentationml/2006/main">
-  <p:cSld>
-    <p:spTree>
-      <p:nvGrpSpPr>
-        <p:cNvPr id="1" name=""/>
-        <p:cNvGrpSpPr/>
-        <p:nvPr/>
-      </p:nvGrpSpPr>
-      <p:grpSpPr>
-        <a:xfrm>
-          <a:off x="0" y="0"/>
-          <a:ext cx="0" cy="0"/>
-          <a:chOff x="0" y="0"/>
-          <a:chExt cx="0" cy="0"/>
-        </a:xfrm>
-      </p:grpSpPr>
-      <p:sp>
-        <p:nvSpPr>
-          <p:cNvPr id="2" name="슬라이드 이미지 개체 틀 1"/>
-          <p:cNvSpPr>
-            <a:spLocks noGrp="1" noRot="1" noChangeAspect="1"/>
-          </p:cNvSpPr>
-          <p:nvPr>
-            <p:ph type="sldImg"/>
-          </p:nvPr>
-        </p:nvSpPr>
-        <p:spPr/>
-      </p:sp>
-      <p:sp>
-        <p:nvSpPr>
-          <p:cNvPr id="3" name="슬라이드 노트 개체 틀 2"/>
-          <p:cNvSpPr>
-            <a:spLocks noGrp="1"/>
-          </p:cNvSpPr>
-          <p:nvPr>
-            <p:ph type="body" idx="1"/>
-          </p:nvPr>
-        </p:nvSpPr>
-        <p:spPr/>
-        <p:txBody>
-          <a:bodyPr/>
-          <a:lstStyle/>
-          <a:p>
-            <a:endParaRPr lang="en-US" altLang="ko-KR" b="0" i="0" dirty="0">
-              <a:solidFill>
-                <a:srgbClr val="D1D5DB"/>
-              </a:solidFill>
-              <a:effectLst/>
-              <a:latin typeface="Söhne"/>
-            </a:endParaRPr>
-          </a:p>
-          <a:p>
-            <a:r>
-              <a:rPr lang="ko-KR" altLang="en-US" b="0" i="0" dirty="0">
-                <a:solidFill>
-                  <a:srgbClr val="D1D5DB"/>
-                </a:solidFill>
-                <a:effectLst/>
-                <a:latin typeface="Söhne"/>
-              </a:rPr>
-              <a:t>다음은 결과 평가 방식입니다</a:t>
-            </a:r>
-            <a:r>
-              <a:rPr lang="en-US" altLang="ko-KR" b="0" i="0" dirty="0">
-                <a:solidFill>
-                  <a:srgbClr val="D1D5DB"/>
-                </a:solidFill>
-                <a:effectLst/>
-                <a:latin typeface="Söhne"/>
-              </a:rPr>
-              <a:t>. </a:t>
-            </a:r>
-            <a:r>
-              <a:rPr lang="ko-KR" altLang="en-US" b="0" i="0" dirty="0">
-                <a:solidFill>
-                  <a:srgbClr val="D1D5DB"/>
-                </a:solidFill>
-                <a:effectLst/>
-                <a:latin typeface="Söhne"/>
-              </a:rPr>
-              <a:t>요약문의 경우 자동 평가 방식과 인간 평가 방식 중 정확하게 요약문의 정확도를 측정할 수 있는 인간 평가 방식으로 결과를 평가하기로 하였습니다</a:t>
-            </a:r>
-            <a:r>
-              <a:rPr lang="en-US" altLang="ko-KR" b="0" i="0" dirty="0">
-                <a:solidFill>
-                  <a:srgbClr val="D1D5DB"/>
-                </a:solidFill>
-                <a:effectLst/>
-                <a:latin typeface="Söhne"/>
-              </a:rPr>
-              <a:t>. </a:t>
-            </a:r>
-          </a:p>
-        </p:txBody>
-      </p:sp>
-      <p:sp>
-        <p:nvSpPr>
-          <p:cNvPr id="4" name="슬라이드 번호 개체 틀 3"/>
-          <p:cNvSpPr>
-            <a:spLocks noGrp="1"/>
-          </p:cNvSpPr>
-          <p:nvPr>
-            <p:ph type="sldNum" sz="quarter" idx="5"/>
-          </p:nvPr>
-        </p:nvSpPr>
-        <p:spPr/>
-        <p:txBody>
-          <a:bodyPr/>
-          <a:lstStyle/>
-          <a:p>
-            <a:fld id="{C733FFDB-1D54-46DF-917A-5FED415D2BB6}" type="slidenum">
-              <a:rPr lang="ko-KR" altLang="en-US" smtClean="0"/>
-              <a:pPr/>
-              <a:t>6</a:t>
-            </a:fld>
-            <a:endParaRPr lang="ko-KR" altLang="en-US"/>
-          </a:p>
-        </p:txBody>
-      </p:sp>
-    </p:spTree>
-    <p:extLst>
-      <p:ext uri="{BB962C8B-B14F-4D97-AF65-F5344CB8AC3E}">
-        <p14:creationId xmlns:p14="http://schemas.microsoft.com/office/powerpoint/2010/main" val="2042409126"/>
-      </p:ext>
-    </p:extLst>
-  </p:cSld>
-  <p:clrMapOvr>
-    <a:masterClrMapping/>
-  </p:clrMapOvr>
-</p:notes>
-</file>
-
-<file path=ppt/notesSlides/notesSlide7.xml><?xml version="1.0" encoding="utf-8"?>
-<p:notes xmlns:a="http://schemas.openxmlformats.org/drawingml/2006/main" xmlns:r="http://schemas.openxmlformats.org/officeDocument/2006/relationships" xmlns:p="http://schemas.openxmlformats.org/presentationml/2006/main">
-  <p:cSld>
-    <p:spTree>
-      <p:nvGrpSpPr>
-        <p:cNvPr id="1" name=""/>
-        <p:cNvGrpSpPr/>
-        <p:nvPr/>
-      </p:nvGrpSpPr>
-      <p:grpSpPr>
-        <a:xfrm>
-          <a:off x="0" y="0"/>
-          <a:ext cx="0" cy="0"/>
-          <a:chOff x="0" y="0"/>
-          <a:chExt cx="0" cy="0"/>
-        </a:xfrm>
-      </p:grpSpPr>
-      <p:sp>
-        <p:nvSpPr>
-          <p:cNvPr id="2" name="슬라이드 이미지 개체 틀 1"/>
-          <p:cNvSpPr>
-            <a:spLocks noGrp="1" noRot="1" noChangeAspect="1"/>
-          </p:cNvSpPr>
-          <p:nvPr>
-            <p:ph type="sldImg"/>
-          </p:nvPr>
-        </p:nvSpPr>
-        <p:spPr/>
-      </p:sp>
-      <p:sp>
-        <p:nvSpPr>
-          <p:cNvPr id="3" name="슬라이드 노트 개체 틀 2"/>
-          <p:cNvSpPr>
-            <a:spLocks noGrp="1"/>
-          </p:cNvSpPr>
-          <p:nvPr>
-            <p:ph type="body" idx="1"/>
-          </p:nvPr>
-        </p:nvSpPr>
-        <p:spPr/>
-        <p:txBody>
-          <a:bodyPr/>
-          <a:lstStyle/>
-          <a:p>
-            <a:endParaRPr lang="en-US" altLang="ko-KR" b="0" i="0" dirty="0">
-              <a:solidFill>
-                <a:srgbClr val="D1D5DB"/>
-              </a:solidFill>
-              <a:effectLst/>
-              <a:latin typeface="Söhne"/>
-            </a:endParaRPr>
-          </a:p>
-          <a:p>
-            <a:r>
-              <a:rPr lang="ko-KR" altLang="en-US" b="0" i="0" dirty="0">
-                <a:solidFill>
-                  <a:srgbClr val="D1D5DB"/>
-                </a:solidFill>
-                <a:effectLst/>
-                <a:latin typeface="Söhne"/>
-              </a:rPr>
-              <a:t>키워드 추출 모델의 정확성 판단의 경우 자동 평가방식을 이용하여 키워드의 정확성과 다양성을 평가하기로 하였습니다</a:t>
-            </a:r>
-            <a:r>
-              <a:rPr lang="en-US" altLang="ko-KR" b="0" i="0" dirty="0">
-                <a:solidFill>
-                  <a:srgbClr val="D1D5DB"/>
-                </a:solidFill>
-                <a:effectLst/>
-                <a:latin typeface="Söhne"/>
-              </a:rPr>
-              <a:t>. </a:t>
-            </a:r>
-          </a:p>
-        </p:txBody>
-      </p:sp>
-      <p:sp>
-        <p:nvSpPr>
-          <p:cNvPr id="4" name="슬라이드 번호 개체 틀 3"/>
-          <p:cNvSpPr>
-            <a:spLocks noGrp="1"/>
-          </p:cNvSpPr>
-          <p:nvPr>
-            <p:ph type="sldNum" sz="quarter" idx="5"/>
-          </p:nvPr>
-        </p:nvSpPr>
-        <p:spPr/>
-        <p:txBody>
-          <a:bodyPr/>
-          <a:lstStyle/>
-          <a:p>
-            <a:fld id="{C733FFDB-1D54-46DF-917A-5FED415D2BB6}" type="slidenum">
-              <a:rPr lang="ko-KR" altLang="en-US" smtClean="0"/>
-              <a:pPr/>
-              <a:t>7</a:t>
-            </a:fld>
-            <a:endParaRPr lang="ko-KR" altLang="en-US"/>
-          </a:p>
-        </p:txBody>
-      </p:sp>
-    </p:spTree>
-    <p:extLst>
-      <p:ext uri="{BB962C8B-B14F-4D97-AF65-F5344CB8AC3E}">
-        <p14:creationId xmlns:p14="http://schemas.microsoft.com/office/powerpoint/2010/main" val="294182887"/>
+        <p14:creationId xmlns:p14="http://schemas.microsoft.com/office/powerpoint/2010/main" val="2449198136"/>
       </p:ext>
     </p:extLst>
   </p:cSld>
@@ -2144,7 +1464,7 @@
             <a:fld id="{7C350D00-E9DF-4C32-8EF9-982D014E2409}" type="datetimeFigureOut">
               <a:rPr lang="ko-KR" altLang="en-US" smtClean="0"/>
               <a:pPr/>
-              <a:t>2023-02-23</a:t>
+              <a:t>2023-02-27</a:t>
             </a:fld>
             <a:endParaRPr lang="ko-KR" altLang="en-US"/>
           </a:p>
@@ -2309,7 +1629,7 @@
             <a:fld id="{7C350D00-E9DF-4C32-8EF9-982D014E2409}" type="datetimeFigureOut">
               <a:rPr lang="ko-KR" altLang="en-US" smtClean="0"/>
               <a:pPr/>
-              <a:t>2023-02-23</a:t>
+              <a:t>2023-02-27</a:t>
             </a:fld>
             <a:endParaRPr lang="ko-KR" altLang="en-US"/>
           </a:p>
@@ -2484,7 +1804,7 @@
             <a:fld id="{7C350D00-E9DF-4C32-8EF9-982D014E2409}" type="datetimeFigureOut">
               <a:rPr lang="ko-KR" altLang="en-US" smtClean="0"/>
               <a:pPr/>
-              <a:t>2023-02-23</a:t>
+              <a:t>2023-02-27</a:t>
             </a:fld>
             <a:endParaRPr lang="ko-KR" altLang="en-US"/>
           </a:p>
@@ -2649,7 +1969,7 @@
             <a:fld id="{7C350D00-E9DF-4C32-8EF9-982D014E2409}" type="datetimeFigureOut">
               <a:rPr lang="ko-KR" altLang="en-US" smtClean="0"/>
               <a:pPr/>
-              <a:t>2023-02-23</a:t>
+              <a:t>2023-02-27</a:t>
             </a:fld>
             <a:endParaRPr lang="ko-KR" altLang="en-US"/>
           </a:p>
@@ -2891,7 +2211,7 @@
             <a:fld id="{7C350D00-E9DF-4C32-8EF9-982D014E2409}" type="datetimeFigureOut">
               <a:rPr lang="ko-KR" altLang="en-US" smtClean="0"/>
               <a:pPr/>
-              <a:t>2023-02-23</a:t>
+              <a:t>2023-02-27</a:t>
             </a:fld>
             <a:endParaRPr lang="ko-KR" altLang="en-US"/>
           </a:p>
@@ -3173,7 +2493,7 @@
             <a:fld id="{7C350D00-E9DF-4C32-8EF9-982D014E2409}" type="datetimeFigureOut">
               <a:rPr lang="ko-KR" altLang="en-US" smtClean="0"/>
               <a:pPr/>
-              <a:t>2023-02-23</a:t>
+              <a:t>2023-02-27</a:t>
             </a:fld>
             <a:endParaRPr lang="ko-KR" altLang="en-US"/>
           </a:p>
@@ -3594,7 +2914,7 @@
             <a:fld id="{7C350D00-E9DF-4C32-8EF9-982D014E2409}" type="datetimeFigureOut">
               <a:rPr lang="ko-KR" altLang="en-US" smtClean="0"/>
               <a:pPr/>
-              <a:t>2023-02-23</a:t>
+              <a:t>2023-02-27</a:t>
             </a:fld>
             <a:endParaRPr lang="ko-KR" altLang="en-US"/>
           </a:p>
@@ -3708,7 +3028,7 @@
             <a:fld id="{7C350D00-E9DF-4C32-8EF9-982D014E2409}" type="datetimeFigureOut">
               <a:rPr lang="ko-KR" altLang="en-US" smtClean="0"/>
               <a:pPr/>
-              <a:t>2023-02-23</a:t>
+              <a:t>2023-02-27</a:t>
             </a:fld>
             <a:endParaRPr lang="ko-KR" altLang="en-US"/>
           </a:p>
@@ -3800,7 +3120,7 @@
             <a:fld id="{7C350D00-E9DF-4C32-8EF9-982D014E2409}" type="datetimeFigureOut">
               <a:rPr lang="ko-KR" altLang="en-US" smtClean="0"/>
               <a:pPr/>
-              <a:t>2023-02-23</a:t>
+              <a:t>2023-02-27</a:t>
             </a:fld>
             <a:endParaRPr lang="ko-KR" altLang="en-US"/>
           </a:p>
@@ -4072,7 +3392,7 @@
             <a:fld id="{7C350D00-E9DF-4C32-8EF9-982D014E2409}" type="datetimeFigureOut">
               <a:rPr lang="ko-KR" altLang="en-US" smtClean="0"/>
               <a:pPr/>
-              <a:t>2023-02-23</a:t>
+              <a:t>2023-02-27</a:t>
             </a:fld>
             <a:endParaRPr lang="ko-KR" altLang="en-US"/>
           </a:p>
@@ -4321,7 +3641,7 @@
             <a:fld id="{7C350D00-E9DF-4C32-8EF9-982D014E2409}" type="datetimeFigureOut">
               <a:rPr lang="ko-KR" altLang="en-US" smtClean="0"/>
               <a:pPr/>
-              <a:t>2023-02-23</a:t>
+              <a:t>2023-02-27</a:t>
             </a:fld>
             <a:endParaRPr lang="ko-KR" altLang="en-US"/>
           </a:p>
@@ -4529,7 +3849,7 @@
             <a:fld id="{7C350D00-E9DF-4C32-8EF9-982D014E2409}" type="datetimeFigureOut">
               <a:rPr lang="ko-KR" altLang="en-US" smtClean="0"/>
               <a:pPr/>
-              <a:t>2023-02-23</a:t>
+              <a:t>2023-02-27</a:t>
             </a:fld>
             <a:endParaRPr lang="ko-KR" altLang="en-US"/>
           </a:p>
@@ -5388,7 +4708,7 @@
         </p:nvGrpSpPr>
         <p:grpSpPr>
           <a:xfrm>
-            <a:off x="-34366" y="261017"/>
+            <a:off x="-47927" y="261017"/>
             <a:ext cx="9153144" cy="6318504"/>
             <a:chOff x="28575" y="464884"/>
             <a:chExt cx="9153144" cy="6318504"/>
@@ -5620,7 +4940,7 @@
                   <a:latin typeface="나눔명조 ExtraBold" pitchFamily="18" charset="-127"/>
                   <a:ea typeface="나눔명조 ExtraBold" pitchFamily="18" charset="-127"/>
                 </a:rPr>
-                <a:t>조 주제 발표</a:t>
+                <a:t>조 진행 현황</a:t>
               </a:r>
             </a:p>
           </p:txBody>
@@ -5635,7 +4955,7 @@
         <p:spPr>
           <a:xfrm>
             <a:off x="3461133" y="767538"/>
-            <a:ext cx="2387192" cy="430887"/>
+            <a:ext cx="2313454" cy="430887"/>
           </a:xfrm>
           <a:prstGeom prst="rect">
             <a:avLst/>
@@ -5666,25 +4986,8 @@
                 <a:latin typeface="나눔명조 ExtraBold" pitchFamily="18" charset="-127"/>
                 <a:ea typeface="나눔명조 ExtraBold" pitchFamily="18" charset="-127"/>
               </a:rPr>
-              <a:t>프로젝트 개요</a:t>
-            </a:r>
-            <a:r>
-              <a:rPr lang="en-US" altLang="ko-KR" sz="2200" b="1" i="1" dirty="0">
-                <a:solidFill>
-                  <a:srgbClr val="1E5B86"/>
-                </a:solidFill>
-                <a:latin typeface="나눔명조 ExtraBold" pitchFamily="18" charset="-127"/>
-                <a:ea typeface="나눔명조 ExtraBold" pitchFamily="18" charset="-127"/>
-              </a:rPr>
-              <a:t>.</a:t>
-            </a:r>
-            <a:endParaRPr lang="ko-KR" altLang="en-US" sz="2200" b="1" i="1" dirty="0">
-              <a:solidFill>
-                <a:srgbClr val="1E5B86"/>
-              </a:solidFill>
-              <a:latin typeface="나눔명조 ExtraBold" pitchFamily="18" charset="-127"/>
-              <a:ea typeface="나눔명조 ExtraBold" pitchFamily="18" charset="-127"/>
-            </a:endParaRPr>
+              <a:t>지난주 문제점</a:t>
+            </a:r>
           </a:p>
         </p:txBody>
       </p:sp>
@@ -5697,7 +5000,7 @@
         <p:spPr>
           <a:xfrm>
             <a:off x="765148" y="1358092"/>
-            <a:ext cx="1750800" cy="400110"/>
+            <a:ext cx="1678665" cy="400110"/>
           </a:xfrm>
           <a:prstGeom prst="rect">
             <a:avLst/>
@@ -5728,7 +5031,7 @@
                 <a:latin typeface="나눔고딕" pitchFamily="50" charset="-127"/>
                 <a:ea typeface="나눔고딕" pitchFamily="50" charset="-127"/>
               </a:rPr>
-              <a:t>주제 선정 </a:t>
+              <a:t>변경 사항</a:t>
             </a:r>
           </a:p>
         </p:txBody>
@@ -5809,85 +5112,6 @@
       </p:sp>
       <p:sp>
         <p:nvSpPr>
-          <p:cNvPr id="17" name="TextBox 16">
-            <a:extLst>
-              <a:ext uri="{FF2B5EF4-FFF2-40B4-BE49-F238E27FC236}">
-                <a16:creationId xmlns:a16="http://schemas.microsoft.com/office/drawing/2014/main" id="{E1D649AF-729C-162C-4139-5813A41D8A81}"/>
-              </a:ext>
-            </a:extLst>
-          </p:cNvPr>
-          <p:cNvSpPr txBox="1"/>
-          <p:nvPr/>
-        </p:nvSpPr>
-        <p:spPr>
-          <a:xfrm>
-            <a:off x="1164844" y="2689980"/>
-            <a:ext cx="7202371" cy="1477328"/>
-          </a:xfrm>
-          <a:prstGeom prst="rect">
-            <a:avLst/>
-          </a:prstGeom>
-          <a:noFill/>
-        </p:spPr>
-        <p:txBody>
-          <a:bodyPr wrap="square">
-            <a:spAutoFit/>
-          </a:bodyPr>
-          <a:lstStyle/>
-          <a:p>
-            <a:pPr marL="342900" indent="-342900">
-              <a:buAutoNum type="arabicPeriod"/>
-            </a:pPr>
-            <a:r>
-              <a:rPr lang="ko-KR" altLang="en-US" dirty="0"/>
-              <a:t>다중 화자 음성 데이터를 화자 분리 한다</a:t>
-            </a:r>
-            <a:r>
-              <a:rPr lang="en-US" altLang="ko-KR" dirty="0"/>
-              <a:t>.</a:t>
-            </a:r>
-          </a:p>
-          <a:p>
-            <a:endParaRPr lang="en-US" altLang="ko-KR" dirty="0"/>
-          </a:p>
-          <a:p>
-            <a:pPr marL="342900" indent="-342900">
-              <a:buAutoNum type="arabicPeriod" startAt="2"/>
-            </a:pPr>
-            <a:r>
-              <a:rPr lang="ko-KR" altLang="en-US" dirty="0"/>
-              <a:t>각 화자별로 분리된 데이터로 텍스트로 변환 뒤 요약</a:t>
-            </a:r>
-            <a:endParaRPr lang="en-US" altLang="ko-KR" dirty="0"/>
-          </a:p>
-          <a:p>
-            <a:r>
-              <a:rPr lang="en-US" altLang="ko-KR" dirty="0"/>
-              <a:t>    </a:t>
-            </a:r>
-            <a:r>
-              <a:rPr lang="ko-KR" altLang="en-US" dirty="0"/>
-              <a:t>및 키워드 추출 </a:t>
-            </a:r>
-            <a:r>
-              <a:rPr lang="en-US" altLang="ko-KR" dirty="0"/>
-              <a:t> </a:t>
-            </a:r>
-            <a:r>
-              <a:rPr lang="ko-KR" altLang="en-US" dirty="0"/>
-              <a:t> </a:t>
-            </a:r>
-          </a:p>
-          <a:p>
-            <a:pPr marL="342900" indent="-342900">
-              <a:buAutoNum type="arabicPeriod"/>
-            </a:pPr>
-            <a:endParaRPr lang="en-US" altLang="ko-KR" dirty="0"/>
-          </a:p>
-        </p:txBody>
-      </p:sp>
-      <p:sp>
-        <p:nvSpPr>
           <p:cNvPr id="19" name="TextBox 18">
             <a:extLst>
               <a:ext uri="{FF2B5EF4-FFF2-40B4-BE49-F238E27FC236}">
@@ -5900,8 +5124,8 @@
         </p:nvSpPr>
         <p:spPr>
           <a:xfrm>
-            <a:off x="1500611" y="2018654"/>
-            <a:ext cx="4758266" cy="369332"/>
+            <a:off x="1500610" y="2018654"/>
+            <a:ext cx="6722589" cy="369332"/>
           </a:xfrm>
           <a:prstGeom prst="rect">
             <a:avLst/>
@@ -5923,7 +5147,47 @@
                 <a:latin typeface="나눔고딕" pitchFamily="50" charset="-127"/>
                 <a:ea typeface="나눔고딕" pitchFamily="50" charset="-127"/>
               </a:rPr>
-              <a:t>프로젝트 목표</a:t>
+              <a:t>단순한 화자 분할</a:t>
+            </a:r>
+            <a:r>
+              <a:rPr lang="en-US" altLang="ko-KR" sz="1800" b="1" spc="100" dirty="0">
+                <a:solidFill>
+                  <a:srgbClr val="5E3960"/>
+                </a:solidFill>
+                <a:latin typeface="나눔고딕" pitchFamily="50" charset="-127"/>
+                <a:ea typeface="나눔고딕" pitchFamily="50" charset="-127"/>
+              </a:rPr>
+              <a:t>(speaker </a:t>
+            </a:r>
+            <a:r>
+              <a:rPr lang="en-US" altLang="ko-KR" sz="1800" b="1" spc="100" dirty="0" err="1">
+                <a:solidFill>
+                  <a:srgbClr val="5E3960"/>
+                </a:solidFill>
+                <a:latin typeface="나눔고딕" pitchFamily="50" charset="-127"/>
+                <a:ea typeface="나눔고딕" pitchFamily="50" charset="-127"/>
+              </a:rPr>
+              <a:t>diarization</a:t>
+            </a:r>
+            <a:r>
+              <a:rPr lang="en-US" altLang="ko-KR" sz="1800" b="1" spc="100" dirty="0">
+                <a:solidFill>
+                  <a:srgbClr val="5E3960"/>
+                </a:solidFill>
+                <a:latin typeface="나눔고딕" pitchFamily="50" charset="-127"/>
+                <a:ea typeface="나눔고딕" pitchFamily="50" charset="-127"/>
+              </a:rPr>
+              <a:t>)</a:t>
+            </a:r>
+            <a:r>
+              <a:rPr lang="ko-KR" altLang="en-US" sz="1800" b="1" spc="100" dirty="0">
+                <a:solidFill>
+                  <a:srgbClr val="5E3960"/>
+                </a:solidFill>
+                <a:latin typeface="나눔고딕" pitchFamily="50" charset="-127"/>
+                <a:ea typeface="나눔고딕" pitchFamily="50" charset="-127"/>
+              </a:rPr>
+              <a:t>의 한계</a:t>
             </a:r>
             <a:endParaRPr lang="en-US" altLang="ko-KR" sz="1800" b="1" spc="100" dirty="0">
               <a:solidFill>
@@ -5935,191 +5199,37 @@
           </a:p>
         </p:txBody>
       </p:sp>
-      <p:pic>
-        <p:nvPicPr>
-          <p:cNvPr id="22" name="Picture 2" descr="C:\Users\Administrator\Desktop\인하대학교\05_템플릿\01_작업\확정\01\PNG\09.png">
+      <p:sp>
+        <p:nvSpPr>
+          <p:cNvPr id="5" name="TextBox 4">
             <a:extLst>
               <a:ext uri="{FF2B5EF4-FFF2-40B4-BE49-F238E27FC236}">
-                <a16:creationId xmlns:a16="http://schemas.microsoft.com/office/drawing/2014/main" id="{874F1743-8038-5B76-66D1-B066D3A7A2B9}"/>
+                <a16:creationId xmlns:a16="http://schemas.microsoft.com/office/drawing/2014/main" id="{4808E1B1-1425-4C61-B1D1-A9A910D67372}"/>
               </a:ext>
             </a:extLst>
           </p:cNvPr>
-          <p:cNvPicPr>
-            <a:picLocks noChangeAspect="1" noChangeArrowheads="1"/>
-          </p:cNvPicPr>
+          <p:cNvSpPr txBox="1"/>
           <p:nvPr/>
-        </p:nvPicPr>
-        <p:blipFill>
-          <a:blip r:embed="rId9"/>
-          <a:srcRect/>
-          <a:stretch>
-            <a:fillRect/>
-          </a:stretch>
-        </p:blipFill>
-        <p:spPr bwMode="auto">
+        </p:nvSpPr>
+        <p:spPr>
           <a:xfrm>
-            <a:off x="1144376" y="4630271"/>
-            <a:ext cx="356235" cy="396716"/>
+            <a:off x="1330752" y="2593339"/>
+            <a:ext cx="5854688" cy="369332"/>
           </a:xfrm>
           <a:prstGeom prst="rect">
             <a:avLst/>
           </a:prstGeom>
           <a:noFill/>
         </p:spPr>
-      </p:pic>
-      <p:sp>
-        <p:nvSpPr>
-          <p:cNvPr id="24" name="TextBox 23">
-            <a:extLst>
-              <a:ext uri="{FF2B5EF4-FFF2-40B4-BE49-F238E27FC236}">
-                <a16:creationId xmlns:a16="http://schemas.microsoft.com/office/drawing/2014/main" id="{A811ADC5-2A23-2EC1-D0B4-5561E0D3CCF6}"/>
-              </a:ext>
-            </a:extLst>
-          </p:cNvPr>
-          <p:cNvSpPr txBox="1"/>
-          <p:nvPr/>
-        </p:nvSpPr>
-        <p:spPr>
-          <a:xfrm>
-            <a:off x="1208030" y="4618057"/>
-            <a:ext cx="228926" cy="369332"/>
-          </a:xfrm>
-          <a:prstGeom prst="rect">
-            <a:avLst/>
-          </a:prstGeom>
-          <a:noFill/>
-        </p:spPr>
-        <p:txBody>
-          <a:bodyPr wrap="square">
-            <a:spAutoFit/>
-          </a:bodyPr>
-          <a:lstStyle/>
-          <a:p>
-            <a:pPr algn="ctr"/>
-            <a:r>
-              <a:rPr lang="en-US" altLang="ko-KR" b="1" dirty="0">
-                <a:solidFill>
-                  <a:srgbClr val="5B4058"/>
-                </a:solidFill>
-                <a:latin typeface="나눔고딕" pitchFamily="50" charset="-127"/>
-                <a:ea typeface="나눔고딕" pitchFamily="50" charset="-127"/>
-              </a:rPr>
-              <a:t>2</a:t>
-            </a:r>
-            <a:endParaRPr lang="en-US" altLang="ko-KR" sz="1800" b="1" dirty="0">
-              <a:solidFill>
-                <a:srgbClr val="5B4058"/>
-              </a:solidFill>
-              <a:latin typeface="나눔고딕" pitchFamily="50" charset="-127"/>
-              <a:ea typeface="나눔고딕" pitchFamily="50" charset="-127"/>
-            </a:endParaRPr>
-          </a:p>
-        </p:txBody>
-      </p:sp>
-      <p:sp>
-        <p:nvSpPr>
-          <p:cNvPr id="26" name="TextBox 25">
-            <a:extLst>
-              <a:ext uri="{FF2B5EF4-FFF2-40B4-BE49-F238E27FC236}">
-                <a16:creationId xmlns:a16="http://schemas.microsoft.com/office/drawing/2014/main" id="{674C38B3-B1C2-86BE-1282-F2E88674335F}"/>
-              </a:ext>
-            </a:extLst>
-          </p:cNvPr>
-          <p:cNvSpPr txBox="1"/>
-          <p:nvPr/>
-        </p:nvSpPr>
-        <p:spPr>
-          <a:xfrm>
-            <a:off x="1554816" y="4618313"/>
-            <a:ext cx="4765430" cy="369332"/>
-          </a:xfrm>
-          <a:prstGeom prst="rect">
-            <a:avLst/>
-          </a:prstGeom>
-          <a:noFill/>
-        </p:spPr>
-        <p:txBody>
-          <a:bodyPr wrap="square">
-            <a:spAutoFit/>
-          </a:bodyPr>
-          <a:lstStyle/>
-          <a:p>
-            <a:pPr algn="l"/>
-            <a:r>
-              <a:rPr lang="ko-KR" altLang="en-US" sz="1800" b="1" spc="100" dirty="0">
-                <a:solidFill>
-                  <a:srgbClr val="5E3960"/>
-                </a:solidFill>
-                <a:latin typeface="나눔고딕" pitchFamily="50" charset="-127"/>
-                <a:ea typeface="나눔고딕" pitchFamily="50" charset="-127"/>
-              </a:rPr>
-              <a:t>프로젝트 </a:t>
-            </a:r>
-            <a:r>
-              <a:rPr lang="ko-KR" altLang="en-US" b="1" spc="100" dirty="0">
-                <a:solidFill>
-                  <a:srgbClr val="5E3960"/>
-                </a:solidFill>
-                <a:latin typeface="나눔고딕" pitchFamily="50" charset="-127"/>
-                <a:ea typeface="나눔고딕" pitchFamily="50" charset="-127"/>
-              </a:rPr>
-              <a:t>기대 </a:t>
-            </a:r>
-            <a:endParaRPr lang="en-US" altLang="ko-KR" sz="1800" b="1" spc="100" dirty="0">
-              <a:solidFill>
-                <a:srgbClr val="5E3960"/>
-              </a:solidFill>
-              <a:latin typeface="나눔고딕" pitchFamily="50" charset="-127"/>
-              <a:ea typeface="나눔고딕" pitchFamily="50" charset="-127"/>
-            </a:endParaRPr>
-          </a:p>
-        </p:txBody>
-      </p:sp>
-      <p:sp>
-        <p:nvSpPr>
-          <p:cNvPr id="27" name="TextBox 26">
-            <a:extLst>
-              <a:ext uri="{FF2B5EF4-FFF2-40B4-BE49-F238E27FC236}">
-                <a16:creationId xmlns:a16="http://schemas.microsoft.com/office/drawing/2014/main" id="{CF8A22A4-7DEF-E169-DF72-BDD65250B3F5}"/>
-              </a:ext>
-            </a:extLst>
-          </p:cNvPr>
-          <p:cNvSpPr txBox="1"/>
-          <p:nvPr/>
-        </p:nvSpPr>
-        <p:spPr>
-          <a:xfrm>
-            <a:off x="1208030" y="5136400"/>
-            <a:ext cx="7231194" cy="646331"/>
-          </a:xfrm>
-          <a:prstGeom prst="rect">
-            <a:avLst/>
-          </a:prstGeom>
-          <a:noFill/>
-        </p:spPr>
         <p:txBody>
           <a:bodyPr wrap="square" rtlCol="0">
             <a:spAutoFit/>
           </a:bodyPr>
           <a:lstStyle/>
           <a:p>
-            <a:pPr marL="342900" indent="-342900">
-              <a:buAutoNum type="arabicPeriod"/>
-            </a:pPr>
             <a:r>
               <a:rPr lang="ko-KR" altLang="en-US" dirty="0"/>
-              <a:t>다중 화자의 음성이 있을 경우 화자별로 구분해 텍스트 요약 </a:t>
-            </a:r>
-            <a:endParaRPr lang="en-US" altLang="ko-KR" dirty="0"/>
-          </a:p>
-          <a:p>
-            <a:r>
-              <a:rPr lang="en-US" altLang="ko-KR" dirty="0"/>
-              <a:t>    </a:t>
-            </a:r>
-            <a:r>
-              <a:rPr lang="ko-KR" altLang="en-US" dirty="0"/>
-              <a:t>정확도 상승</a:t>
+              <a:t>음성 신호가 중복되는 상황에서 대처하지 못함</a:t>
             </a:r>
           </a:p>
         </p:txBody>
@@ -6151,905 +5261,13 @@
       </p:grpSpPr>
       <p:grpSp>
         <p:nvGrpSpPr>
-          <p:cNvPr id="32" name="그룹 31"/>
-          <p:cNvGrpSpPr/>
-          <p:nvPr/>
-        </p:nvGrpSpPr>
-        <p:grpSpPr>
-          <a:xfrm>
-            <a:off x="99540" y="138400"/>
-            <a:ext cx="9046519" cy="6438305"/>
-            <a:chOff x="28575" y="464884"/>
-            <a:chExt cx="9153144" cy="6318504"/>
-          </a:xfrm>
-        </p:grpSpPr>
-        <p:pic>
-          <p:nvPicPr>
-            <p:cNvPr id="1030" name="Picture 6" descr="C:\Users\Administrator\Desktop\인하대학교\05_템플릿\01_작업\확정\01\PNG\01_보드.png"/>
-            <p:cNvPicPr>
-              <a:picLocks noChangeAspect="1" noChangeArrowheads="1"/>
-            </p:cNvPicPr>
-            <p:nvPr/>
-          </p:nvPicPr>
-          <p:blipFill>
-            <a:blip r:embed="rId3"/>
-            <a:srcRect/>
-            <a:stretch>
-              <a:fillRect/>
-            </a:stretch>
-          </p:blipFill>
-          <p:spPr bwMode="auto">
-            <a:xfrm>
-              <a:off x="28575" y="464884"/>
-              <a:ext cx="9153144" cy="6318504"/>
-            </a:xfrm>
-            <a:prstGeom prst="rect">
-              <a:avLst/>
-            </a:prstGeom>
-            <a:noFill/>
-          </p:spPr>
-        </p:pic>
-        <p:grpSp>
-          <p:nvGrpSpPr>
-            <p:cNvPr id="29" name="그룹 28"/>
-            <p:cNvGrpSpPr/>
-            <p:nvPr/>
-          </p:nvGrpSpPr>
-          <p:grpSpPr>
-            <a:xfrm>
-              <a:off x="5851533" y="6177777"/>
-              <a:ext cx="3000388" cy="304800"/>
-              <a:chOff x="5851533" y="6177777"/>
-              <a:chExt cx="3000388" cy="304800"/>
-            </a:xfrm>
-          </p:grpSpPr>
-          <p:pic>
-            <p:nvPicPr>
-              <p:cNvPr id="30" name="Picture 3" descr="C:\Users\Administrator\Desktop\인하대학교\05_템플릿\01_작업\확정\PNG\13_copyright.png"/>
-              <p:cNvPicPr>
-                <a:picLocks noChangeAspect="1" noChangeArrowheads="1"/>
-              </p:cNvPicPr>
-              <p:nvPr/>
-            </p:nvPicPr>
-            <p:blipFill>
-              <a:blip r:embed="rId4"/>
-              <a:srcRect/>
-              <a:stretch>
-                <a:fillRect/>
-              </a:stretch>
-            </p:blipFill>
-            <p:spPr bwMode="auto">
-              <a:xfrm>
-                <a:off x="5851533" y="6396852"/>
-                <a:ext cx="1838325" cy="47625"/>
-              </a:xfrm>
-              <a:prstGeom prst="rect">
-                <a:avLst/>
-              </a:prstGeom>
-              <a:noFill/>
-            </p:spPr>
-          </p:pic>
-          <p:pic>
-            <p:nvPicPr>
-              <p:cNvPr id="31" name="Picture 5" descr="C:\Users\Administrator\Desktop\인하대학교\05_템플릿\01_작업\확정\PNG\12_로고.png"/>
-              <p:cNvPicPr>
-                <a:picLocks noChangeAspect="1" noChangeArrowheads="1"/>
-              </p:cNvPicPr>
-              <p:nvPr/>
-            </p:nvPicPr>
-            <p:blipFill>
-              <a:blip r:embed="rId5"/>
-              <a:srcRect/>
-              <a:stretch>
-                <a:fillRect/>
-              </a:stretch>
-            </p:blipFill>
-            <p:spPr bwMode="auto">
-              <a:xfrm>
-                <a:off x="7756546" y="6177777"/>
-                <a:ext cx="1095375" cy="304800"/>
-              </a:xfrm>
-              <a:prstGeom prst="rect">
-                <a:avLst/>
-              </a:prstGeom>
-              <a:noFill/>
-            </p:spPr>
-          </p:pic>
-        </p:grpSp>
-      </p:grpSp>
-      <p:pic>
-        <p:nvPicPr>
-          <p:cNvPr id="2050" name="Picture 2" descr="C:\Users\Administrator\Desktop\인하대학교\05_템플릿\01_작업\확정\01\PNG\02.png"/>
-          <p:cNvPicPr>
-            <a:picLocks noChangeAspect="1" noChangeArrowheads="1"/>
-          </p:cNvPicPr>
-          <p:nvPr/>
-        </p:nvPicPr>
-        <p:blipFill>
-          <a:blip r:embed="rId6"/>
-          <a:srcRect t="-140000" b="-140000"/>
-          <a:stretch>
-            <a:fillRect/>
-          </a:stretch>
-        </p:blipFill>
-        <p:spPr bwMode="auto">
-          <a:xfrm>
-            <a:off x="479396" y="1288559"/>
-            <a:ext cx="8110728" cy="69494"/>
-          </a:xfrm>
-          <a:prstGeom prst="rect">
-            <a:avLst/>
-          </a:prstGeom>
-          <a:noFill/>
-        </p:spPr>
-      </p:pic>
-      <p:sp>
-        <p:nvSpPr>
-          <p:cNvPr id="5" name="TextBox 4"/>
-          <p:cNvSpPr txBox="1"/>
-          <p:nvPr/>
-        </p:nvSpPr>
-        <p:spPr>
-          <a:xfrm>
-            <a:off x="765148" y="848501"/>
-            <a:ext cx="1750800" cy="400110"/>
-          </a:xfrm>
-          <a:prstGeom prst="rect">
-            <a:avLst/>
-          </a:prstGeom>
-          <a:noFill/>
-        </p:spPr>
-        <p:txBody>
-          <a:bodyPr wrap="none" rtlCol="0">
-            <a:spAutoFit/>
-          </a:bodyPr>
-          <a:lstStyle/>
-          <a:p>
-            <a:r>
-              <a:rPr lang="en-US" altLang="ko-KR" sz="2000" b="1" dirty="0">
-                <a:solidFill>
-                  <a:srgbClr val="5C431E"/>
-                </a:solidFill>
-                <a:latin typeface="나눔고딕" pitchFamily="50" charset="-127"/>
-                <a:ea typeface="나눔고딕" pitchFamily="50" charset="-127"/>
-              </a:rPr>
-              <a:t>1.2 </a:t>
-            </a:r>
-            <a:r>
-              <a:rPr lang="ko-KR" altLang="en-US" sz="2000" b="1" dirty="0">
-                <a:solidFill>
-                  <a:srgbClr val="5C431E"/>
-                </a:solidFill>
-                <a:latin typeface="나눔고딕" pitchFamily="50" charset="-127"/>
-                <a:ea typeface="나눔고딕" pitchFamily="50" charset="-127"/>
-              </a:rPr>
-              <a:t>추가 사항 </a:t>
-            </a:r>
-            <a:endParaRPr lang="en-US" altLang="ko-KR" sz="2000" b="0" i="0" dirty="0">
-              <a:solidFill>
-                <a:srgbClr val="222222"/>
-              </a:solidFill>
-              <a:effectLst/>
-              <a:latin typeface="Noto Sans DemiLight"/>
-            </a:endParaRPr>
-          </a:p>
-        </p:txBody>
-      </p:sp>
-      <p:pic>
-        <p:nvPicPr>
-          <p:cNvPr id="20" name="그림 19">
-            <a:extLst>
-              <a:ext uri="{FF2B5EF4-FFF2-40B4-BE49-F238E27FC236}">
-                <a16:creationId xmlns:a16="http://schemas.microsoft.com/office/drawing/2014/main" id="{8DB4E748-24D3-A2FE-A005-323BA0DA9FB6}"/>
-              </a:ext>
-            </a:extLst>
-          </p:cNvPr>
-          <p:cNvPicPr>
-            <a:picLocks noChangeAspect="1"/>
-          </p:cNvPicPr>
-          <p:nvPr/>
-        </p:nvPicPr>
-        <p:blipFill>
-          <a:blip r:embed="rId7"/>
-          <a:stretch>
-            <a:fillRect/>
-          </a:stretch>
-        </p:blipFill>
-        <p:spPr>
-          <a:xfrm>
-            <a:off x="1396876" y="3108837"/>
-            <a:ext cx="3726510" cy="1214256"/>
-          </a:xfrm>
-          <a:prstGeom prst="rect">
-            <a:avLst/>
-          </a:prstGeom>
-        </p:spPr>
-      </p:pic>
-      <p:pic>
-        <p:nvPicPr>
-          <p:cNvPr id="22" name="그림 21">
-            <a:extLst>
-              <a:ext uri="{FF2B5EF4-FFF2-40B4-BE49-F238E27FC236}">
-                <a16:creationId xmlns:a16="http://schemas.microsoft.com/office/drawing/2014/main" id="{68C07283-A210-B84F-5E7C-A164CB3BCF7B}"/>
-              </a:ext>
-            </a:extLst>
-          </p:cNvPr>
-          <p:cNvPicPr>
-            <a:picLocks noChangeAspect="1"/>
-          </p:cNvPicPr>
-          <p:nvPr/>
-        </p:nvPicPr>
-        <p:blipFill>
-          <a:blip r:embed="rId8"/>
-          <a:stretch>
-            <a:fillRect/>
-          </a:stretch>
-        </p:blipFill>
-        <p:spPr>
-          <a:xfrm>
-            <a:off x="5702920" y="1487698"/>
-            <a:ext cx="2637852" cy="4302961"/>
-          </a:xfrm>
-          <a:prstGeom prst="rect">
-            <a:avLst/>
-          </a:prstGeom>
-        </p:spPr>
-      </p:pic>
-      <p:sp>
-        <p:nvSpPr>
-          <p:cNvPr id="23" name="TextBox 22">
-            <a:extLst>
-              <a:ext uri="{FF2B5EF4-FFF2-40B4-BE49-F238E27FC236}">
-                <a16:creationId xmlns:a16="http://schemas.microsoft.com/office/drawing/2014/main" id="{6B820A23-4486-E181-EB24-42D3365F14F2}"/>
-              </a:ext>
-            </a:extLst>
-          </p:cNvPr>
-          <p:cNvSpPr txBox="1"/>
-          <p:nvPr/>
-        </p:nvSpPr>
-        <p:spPr>
-          <a:xfrm>
-            <a:off x="1223111" y="1607817"/>
-            <a:ext cx="5413353" cy="461665"/>
-          </a:xfrm>
-          <a:prstGeom prst="rect">
-            <a:avLst/>
-          </a:prstGeom>
-          <a:noFill/>
-        </p:spPr>
-        <p:txBody>
-          <a:bodyPr wrap="square" rtlCol="0">
-            <a:spAutoFit/>
-          </a:bodyPr>
-          <a:lstStyle/>
-          <a:p>
-            <a:r>
-              <a:rPr lang="ko-KR" altLang="en-US" sz="2400" b="1" dirty="0"/>
-              <a:t>화자 분리</a:t>
-            </a:r>
-            <a:r>
-              <a:rPr lang="en-US" altLang="ko-KR" sz="2400" b="1" dirty="0"/>
-              <a:t>(</a:t>
-            </a:r>
-            <a:r>
-              <a:rPr lang="en-US" altLang="ko-KR" sz="2400" b="1" i="0" dirty="0">
-                <a:solidFill>
-                  <a:srgbClr val="333333"/>
-                </a:solidFill>
-                <a:effectLst/>
-                <a:latin typeface="Noto Sans DemiLight"/>
-              </a:rPr>
-              <a:t>Speaker </a:t>
-            </a:r>
-            <a:r>
-              <a:rPr lang="en-US" altLang="ko-KR" sz="2400" b="1" i="0" dirty="0" err="1">
-                <a:solidFill>
-                  <a:srgbClr val="333333"/>
-                </a:solidFill>
-                <a:effectLst/>
-                <a:latin typeface="Noto Sans DemiLight"/>
-              </a:rPr>
-              <a:t>Diarization</a:t>
-            </a:r>
-            <a:r>
-              <a:rPr lang="en-US" altLang="ko-KR" sz="2400" b="1" dirty="0"/>
-              <a:t>)</a:t>
-            </a:r>
-            <a:endParaRPr lang="ko-KR" altLang="en-US" sz="2400" b="1" dirty="0"/>
-          </a:p>
-        </p:txBody>
-      </p:sp>
-    </p:spTree>
-    <p:extLst>
-      <p:ext uri="{BB962C8B-B14F-4D97-AF65-F5344CB8AC3E}">
-        <p14:creationId xmlns:p14="http://schemas.microsoft.com/office/powerpoint/2010/main" val="3730210517"/>
-      </p:ext>
-    </p:extLst>
-  </p:cSld>
-  <p:clrMapOvr>
-    <a:masterClrMapping/>
-  </p:clrMapOvr>
-</p:sld>
-</file>
-
-<file path=ppt/slides/slide4.xml><?xml version="1.0" encoding="utf-8"?>
-<p:sld xmlns:a="http://schemas.openxmlformats.org/drawingml/2006/main" xmlns:r="http://schemas.openxmlformats.org/officeDocument/2006/relationships" xmlns:p="http://schemas.openxmlformats.org/presentationml/2006/main">
-  <p:cSld>
-    <p:spTree>
-      <p:nvGrpSpPr>
-        <p:cNvPr id="1" name=""/>
-        <p:cNvGrpSpPr/>
-        <p:nvPr/>
-      </p:nvGrpSpPr>
-      <p:grpSpPr>
-        <a:xfrm>
-          <a:off x="0" y="0"/>
-          <a:ext cx="0" cy="0"/>
-          <a:chOff x="0" y="0"/>
-          <a:chExt cx="0" cy="0"/>
-        </a:xfrm>
-      </p:grpSpPr>
-      <p:grpSp>
-        <p:nvGrpSpPr>
-          <p:cNvPr id="32" name="그룹 31"/>
-          <p:cNvGrpSpPr/>
-          <p:nvPr/>
-        </p:nvGrpSpPr>
-        <p:grpSpPr>
-          <a:xfrm>
-            <a:off x="99540" y="138400"/>
-            <a:ext cx="9046519" cy="6438305"/>
-            <a:chOff x="28575" y="464884"/>
-            <a:chExt cx="9153144" cy="6318504"/>
-          </a:xfrm>
-        </p:grpSpPr>
-        <p:pic>
-          <p:nvPicPr>
-            <p:cNvPr id="1030" name="Picture 6" descr="C:\Users\Administrator\Desktop\인하대학교\05_템플릿\01_작업\확정\01\PNG\01_보드.png"/>
-            <p:cNvPicPr>
-              <a:picLocks noChangeAspect="1" noChangeArrowheads="1"/>
-            </p:cNvPicPr>
-            <p:nvPr/>
-          </p:nvPicPr>
-          <p:blipFill>
-            <a:blip r:embed="rId3"/>
-            <a:srcRect/>
-            <a:stretch>
-              <a:fillRect/>
-            </a:stretch>
-          </p:blipFill>
-          <p:spPr bwMode="auto">
-            <a:xfrm>
-              <a:off x="28575" y="464884"/>
-              <a:ext cx="9153144" cy="6318504"/>
-            </a:xfrm>
-            <a:prstGeom prst="rect">
-              <a:avLst/>
-            </a:prstGeom>
-            <a:noFill/>
-          </p:spPr>
-        </p:pic>
-        <p:grpSp>
-          <p:nvGrpSpPr>
-            <p:cNvPr id="29" name="그룹 28"/>
-            <p:cNvGrpSpPr/>
-            <p:nvPr/>
-          </p:nvGrpSpPr>
-          <p:grpSpPr>
-            <a:xfrm>
-              <a:off x="5851533" y="6177777"/>
-              <a:ext cx="3000388" cy="304800"/>
-              <a:chOff x="5851533" y="6177777"/>
-              <a:chExt cx="3000388" cy="304800"/>
-            </a:xfrm>
-          </p:grpSpPr>
-          <p:pic>
-            <p:nvPicPr>
-              <p:cNvPr id="30" name="Picture 3" descr="C:\Users\Administrator\Desktop\인하대학교\05_템플릿\01_작업\확정\PNG\13_copyright.png"/>
-              <p:cNvPicPr>
-                <a:picLocks noChangeAspect="1" noChangeArrowheads="1"/>
-              </p:cNvPicPr>
-              <p:nvPr/>
-            </p:nvPicPr>
-            <p:blipFill>
-              <a:blip r:embed="rId4"/>
-              <a:srcRect/>
-              <a:stretch>
-                <a:fillRect/>
-              </a:stretch>
-            </p:blipFill>
-            <p:spPr bwMode="auto">
-              <a:xfrm>
-                <a:off x="5851533" y="6396852"/>
-                <a:ext cx="1838325" cy="47625"/>
-              </a:xfrm>
-              <a:prstGeom prst="rect">
-                <a:avLst/>
-              </a:prstGeom>
-              <a:noFill/>
-            </p:spPr>
-          </p:pic>
-          <p:pic>
-            <p:nvPicPr>
-              <p:cNvPr id="31" name="Picture 5" descr="C:\Users\Administrator\Desktop\인하대학교\05_템플릿\01_작업\확정\PNG\12_로고.png"/>
-              <p:cNvPicPr>
-                <a:picLocks noChangeAspect="1" noChangeArrowheads="1"/>
-              </p:cNvPicPr>
-              <p:nvPr/>
-            </p:nvPicPr>
-            <p:blipFill>
-              <a:blip r:embed="rId5"/>
-              <a:srcRect/>
-              <a:stretch>
-                <a:fillRect/>
-              </a:stretch>
-            </p:blipFill>
-            <p:spPr bwMode="auto">
-              <a:xfrm>
-                <a:off x="7756546" y="6177777"/>
-                <a:ext cx="1095375" cy="304800"/>
-              </a:xfrm>
-              <a:prstGeom prst="rect">
-                <a:avLst/>
-              </a:prstGeom>
-              <a:noFill/>
-            </p:spPr>
-          </p:pic>
-        </p:grpSp>
-      </p:grpSp>
-      <p:pic>
-        <p:nvPicPr>
-          <p:cNvPr id="2050" name="Picture 2" descr="C:\Users\Administrator\Desktop\인하대학교\05_템플릿\01_작업\확정\01\PNG\02.png"/>
-          <p:cNvPicPr>
-            <a:picLocks noChangeAspect="1" noChangeArrowheads="1"/>
-          </p:cNvPicPr>
-          <p:nvPr/>
-        </p:nvPicPr>
-        <p:blipFill>
-          <a:blip r:embed="rId6"/>
-          <a:srcRect t="-140000" b="-140000"/>
-          <a:stretch>
-            <a:fillRect/>
-          </a:stretch>
-        </p:blipFill>
-        <p:spPr bwMode="auto">
-          <a:xfrm>
-            <a:off x="479396" y="1288559"/>
-            <a:ext cx="8110728" cy="69494"/>
-          </a:xfrm>
-          <a:prstGeom prst="rect">
-            <a:avLst/>
-          </a:prstGeom>
-          <a:noFill/>
-        </p:spPr>
-      </p:pic>
-      <p:sp>
-        <p:nvSpPr>
-          <p:cNvPr id="5" name="TextBox 4"/>
-          <p:cNvSpPr txBox="1"/>
-          <p:nvPr/>
-        </p:nvSpPr>
-        <p:spPr>
-          <a:xfrm>
-            <a:off x="765148" y="848501"/>
-            <a:ext cx="2400016" cy="400110"/>
-          </a:xfrm>
-          <a:prstGeom prst="rect">
-            <a:avLst/>
-          </a:prstGeom>
-          <a:noFill/>
-        </p:spPr>
-        <p:txBody>
-          <a:bodyPr wrap="none" rtlCol="0">
-            <a:spAutoFit/>
-          </a:bodyPr>
-          <a:lstStyle/>
-          <a:p>
-            <a:r>
-              <a:rPr lang="en-US" altLang="ko-KR" sz="2000" b="1" dirty="0">
-                <a:solidFill>
-                  <a:srgbClr val="5C431E"/>
-                </a:solidFill>
-                <a:latin typeface="나눔고딕" pitchFamily="50" charset="-127"/>
-                <a:ea typeface="나눔고딕" pitchFamily="50" charset="-127"/>
-              </a:rPr>
-              <a:t>1.2 </a:t>
-            </a:r>
-            <a:r>
-              <a:rPr lang="ko-KR" altLang="en-US" sz="2000" b="1" dirty="0">
-                <a:solidFill>
-                  <a:srgbClr val="5C431E"/>
-                </a:solidFill>
-                <a:latin typeface="나눔고딕" pitchFamily="50" charset="-127"/>
-                <a:ea typeface="나눔고딕" pitchFamily="50" charset="-127"/>
-              </a:rPr>
-              <a:t>프로젝트 계획도</a:t>
-            </a:r>
-          </a:p>
-        </p:txBody>
-      </p:sp>
-      <p:sp>
-        <p:nvSpPr>
-          <p:cNvPr id="4" name="사각형: 둥근 모서리 3">
-            <a:extLst>
-              <a:ext uri="{FF2B5EF4-FFF2-40B4-BE49-F238E27FC236}">
-                <a16:creationId xmlns:a16="http://schemas.microsoft.com/office/drawing/2014/main" id="{DB5DB6C3-57CE-5479-C1ED-04ACF8740F3D}"/>
-              </a:ext>
-            </a:extLst>
-          </p:cNvPr>
-          <p:cNvSpPr/>
-          <p:nvPr/>
-        </p:nvSpPr>
-        <p:spPr>
-          <a:xfrm>
-            <a:off x="2567541" y="1890066"/>
-            <a:ext cx="1453822" cy="1613069"/>
-          </a:xfrm>
-          <a:prstGeom prst="roundRect">
-            <a:avLst/>
-          </a:prstGeom>
-          <a:noFill/>
-          <a:ln w="38100">
-            <a:solidFill>
-              <a:srgbClr val="FF0000"/>
-            </a:solidFill>
-          </a:ln>
-          <a:effectLst>
-            <a:outerShdw blurRad="63500" sx="102000" sy="102000" algn="ctr" rotWithShape="0">
-              <a:prstClr val="black">
-                <a:alpha val="20000"/>
-              </a:prstClr>
-            </a:outerShdw>
-          </a:effectLst>
-        </p:spPr>
-        <p:style>
-          <a:lnRef idx="2">
-            <a:schemeClr val="accent1">
-              <a:shade val="50000"/>
-            </a:schemeClr>
-          </a:lnRef>
-          <a:fillRef idx="1">
-            <a:schemeClr val="accent1"/>
-          </a:fillRef>
-          <a:effectRef idx="0">
-            <a:schemeClr val="accent1"/>
-          </a:effectRef>
-          <a:fontRef idx="minor">
-            <a:schemeClr val="lt1"/>
-          </a:fontRef>
-        </p:style>
-        <p:txBody>
-          <a:bodyPr rtlCol="0" anchor="ctr"/>
-          <a:lstStyle/>
-          <a:p>
-            <a:pPr algn="ctr"/>
-            <a:endParaRPr lang="ko-KR" altLang="en-US"/>
-          </a:p>
-        </p:txBody>
-      </p:sp>
-      <p:pic>
-        <p:nvPicPr>
-          <p:cNvPr id="8" name="그림 7">
-            <a:extLst>
-              <a:ext uri="{FF2B5EF4-FFF2-40B4-BE49-F238E27FC236}">
-                <a16:creationId xmlns:a16="http://schemas.microsoft.com/office/drawing/2014/main" id="{A9118C82-7732-1268-76E4-1289531C8EE6}"/>
-              </a:ext>
-            </a:extLst>
-          </p:cNvPr>
-          <p:cNvPicPr>
-            <a:picLocks noChangeAspect="1"/>
-          </p:cNvPicPr>
-          <p:nvPr/>
-        </p:nvPicPr>
-        <p:blipFill>
-          <a:blip r:embed="rId7"/>
-          <a:stretch>
-            <a:fillRect/>
-          </a:stretch>
-        </p:blipFill>
-        <p:spPr>
-          <a:xfrm>
-            <a:off x="7089443" y="2897954"/>
-            <a:ext cx="1296088" cy="615642"/>
-          </a:xfrm>
-          <a:prstGeom prst="rect">
-            <a:avLst/>
-          </a:prstGeom>
-        </p:spPr>
-      </p:pic>
-      <p:pic>
-        <p:nvPicPr>
-          <p:cNvPr id="11" name="Picture 6" descr="GitHub - MaartenGr/KeyBERT: Minimal keyword extraction with BERT">
-            <a:extLst>
-              <a:ext uri="{FF2B5EF4-FFF2-40B4-BE49-F238E27FC236}">
-                <a16:creationId xmlns:a16="http://schemas.microsoft.com/office/drawing/2014/main" id="{E4A4F28E-512C-6379-549F-E4FB7221623E}"/>
-              </a:ext>
-            </a:extLst>
-          </p:cNvPr>
-          <p:cNvPicPr>
-            <a:picLocks noChangeAspect="1" noChangeArrowheads="1"/>
-          </p:cNvPicPr>
-          <p:nvPr/>
-        </p:nvPicPr>
-        <p:blipFill>
-          <a:blip r:embed="rId8" cstate="print">
-            <a:extLst>
-              <a:ext uri="{28A0092B-C50C-407E-A947-70E740481C1C}">
-                <a14:useLocalDpi xmlns:a14="http://schemas.microsoft.com/office/drawing/2010/main" val="0"/>
-              </a:ext>
-            </a:extLst>
-          </a:blip>
-          <a:srcRect/>
-          <a:stretch>
-            <a:fillRect/>
-          </a:stretch>
-        </p:blipFill>
-        <p:spPr bwMode="auto">
-          <a:xfrm>
-            <a:off x="6454963" y="4780382"/>
-            <a:ext cx="972547" cy="485105"/>
-          </a:xfrm>
-          <a:prstGeom prst="rect">
-            <a:avLst/>
-          </a:prstGeom>
-          <a:noFill/>
-          <a:extLst>
-            <a:ext uri="{909E8E84-426E-40DD-AFC4-6F175D3DCCD1}">
-              <a14:hiddenFill xmlns:a14="http://schemas.microsoft.com/office/drawing/2010/main">
-                <a:solidFill>
-                  <a:srgbClr val="FFFFFF"/>
-                </a:solidFill>
-              </a14:hiddenFill>
-            </a:ext>
-          </a:extLst>
-        </p:spPr>
-      </p:pic>
-      <p:pic>
-        <p:nvPicPr>
-          <p:cNvPr id="13" name="그림 12">
-            <a:extLst>
-              <a:ext uri="{FF2B5EF4-FFF2-40B4-BE49-F238E27FC236}">
-                <a16:creationId xmlns:a16="http://schemas.microsoft.com/office/drawing/2014/main" id="{3B6143E6-5F1C-8F04-D6C1-811C916521D0}"/>
-              </a:ext>
-            </a:extLst>
-          </p:cNvPr>
-          <p:cNvPicPr>
-            <a:picLocks noChangeAspect="1"/>
-          </p:cNvPicPr>
-          <p:nvPr/>
-        </p:nvPicPr>
-        <p:blipFill>
-          <a:blip r:embed="rId9"/>
-          <a:stretch>
-            <a:fillRect/>
-          </a:stretch>
-        </p:blipFill>
-        <p:spPr>
-          <a:xfrm>
-            <a:off x="7720770" y="4825299"/>
-            <a:ext cx="824929" cy="414949"/>
-          </a:xfrm>
-          <a:prstGeom prst="rect">
-            <a:avLst/>
-          </a:prstGeom>
-        </p:spPr>
-      </p:pic>
-      <p:pic>
-        <p:nvPicPr>
-          <p:cNvPr id="16" name="Picture 6" descr="GitHub - sooftware/kospeech: Open-Source Toolkit for End-to-End Korean  Automatic Speech Recognition leveraging PyTorch and Hydra.">
-            <a:extLst>
-              <a:ext uri="{FF2B5EF4-FFF2-40B4-BE49-F238E27FC236}">
-                <a16:creationId xmlns:a16="http://schemas.microsoft.com/office/drawing/2014/main" id="{1FE84F67-89FE-2CC5-14D9-ABA7BFC9620A}"/>
-              </a:ext>
-            </a:extLst>
-          </p:cNvPr>
-          <p:cNvPicPr>
-            <a:picLocks noChangeAspect="1" noChangeArrowheads="1"/>
-          </p:cNvPicPr>
-          <p:nvPr/>
-        </p:nvPicPr>
-        <p:blipFill>
-          <a:blip r:embed="rId10" cstate="print">
-            <a:extLst>
-              <a:ext uri="{28A0092B-C50C-407E-A947-70E740481C1C}">
-                <a14:useLocalDpi xmlns:a14="http://schemas.microsoft.com/office/drawing/2010/main" val="0"/>
-              </a:ext>
-            </a:extLst>
-          </a:blip>
-          <a:srcRect/>
-          <a:stretch>
-            <a:fillRect/>
-          </a:stretch>
-        </p:blipFill>
-        <p:spPr bwMode="auto">
-          <a:xfrm>
-            <a:off x="2731213" y="4762731"/>
-            <a:ext cx="1178172" cy="209983"/>
-          </a:xfrm>
-          <a:prstGeom prst="rect">
-            <a:avLst/>
-          </a:prstGeom>
-          <a:noFill/>
-          <a:extLst>
-            <a:ext uri="{909E8E84-426E-40DD-AFC4-6F175D3DCCD1}">
-              <a14:hiddenFill xmlns:a14="http://schemas.microsoft.com/office/drawing/2010/main">
-                <a:solidFill>
-                  <a:srgbClr val="FFFFFF"/>
-                </a:solidFill>
-              </a14:hiddenFill>
-            </a:ext>
-          </a:extLst>
-        </p:spPr>
-      </p:pic>
-      <p:pic>
-        <p:nvPicPr>
-          <p:cNvPr id="17" name="Picture 8" descr="ESPnet: end-to-end speech processing toolkit — ESPnet 202301 documentation">
-            <a:extLst>
-              <a:ext uri="{FF2B5EF4-FFF2-40B4-BE49-F238E27FC236}">
-                <a16:creationId xmlns:a16="http://schemas.microsoft.com/office/drawing/2014/main" id="{A64BE07E-0E36-C669-0F1D-584A07286C50}"/>
-              </a:ext>
-            </a:extLst>
-          </p:cNvPr>
-          <p:cNvPicPr>
-            <a:picLocks noChangeAspect="1" noChangeArrowheads="1"/>
-          </p:cNvPicPr>
-          <p:nvPr/>
-        </p:nvPicPr>
-        <p:blipFill>
-          <a:blip r:embed="rId11" cstate="print">
-            <a:extLst>
-              <a:ext uri="{28A0092B-C50C-407E-A947-70E740481C1C}">
-                <a14:useLocalDpi xmlns:a14="http://schemas.microsoft.com/office/drawing/2010/main" val="0"/>
-              </a:ext>
-            </a:extLst>
-          </a:blip>
-          <a:srcRect/>
-          <a:stretch>
-            <a:fillRect/>
-          </a:stretch>
-        </p:blipFill>
-        <p:spPr bwMode="auto">
-          <a:xfrm>
-            <a:off x="2770906" y="5135256"/>
-            <a:ext cx="1098786" cy="209984"/>
-          </a:xfrm>
-          <a:prstGeom prst="rect">
-            <a:avLst/>
-          </a:prstGeom>
-          <a:noFill/>
-          <a:extLst>
-            <a:ext uri="{909E8E84-426E-40DD-AFC4-6F175D3DCCD1}">
-              <a14:hiddenFill xmlns:a14="http://schemas.microsoft.com/office/drawing/2010/main">
-                <a:solidFill>
-                  <a:srgbClr val="FFFFFF"/>
-                </a:solidFill>
-              </a14:hiddenFill>
-            </a:ext>
-          </a:extLst>
-        </p:spPr>
-      </p:pic>
-      <p:sp>
-        <p:nvSpPr>
-          <p:cNvPr id="18" name="TextBox 17">
-            <a:extLst>
-              <a:ext uri="{FF2B5EF4-FFF2-40B4-BE49-F238E27FC236}">
-                <a16:creationId xmlns:a16="http://schemas.microsoft.com/office/drawing/2014/main" id="{762319E8-E3AD-D0F0-45E4-72214F785828}"/>
-              </a:ext>
-            </a:extLst>
-          </p:cNvPr>
-          <p:cNvSpPr txBox="1"/>
-          <p:nvPr/>
-        </p:nvSpPr>
-        <p:spPr>
-          <a:xfrm>
-            <a:off x="2678584" y="2988221"/>
-            <a:ext cx="1453822" cy="369332"/>
-          </a:xfrm>
-          <a:prstGeom prst="rect">
-            <a:avLst/>
-          </a:prstGeom>
-          <a:noFill/>
-        </p:spPr>
-        <p:txBody>
-          <a:bodyPr wrap="square" rtlCol="0">
-            <a:spAutoFit/>
-          </a:bodyPr>
-          <a:lstStyle/>
-          <a:p>
-            <a:r>
-              <a:rPr lang="en-US" altLang="ko-KR" b="1" dirty="0"/>
-              <a:t>UIS-RNN</a:t>
-            </a:r>
-            <a:endParaRPr lang="ko-KR" altLang="en-US" b="1" dirty="0"/>
-          </a:p>
-        </p:txBody>
-      </p:sp>
-      <p:pic>
-        <p:nvPicPr>
-          <p:cNvPr id="1026" name="Picture 2">
-            <a:extLst>
-              <a:ext uri="{FF2B5EF4-FFF2-40B4-BE49-F238E27FC236}">
-                <a16:creationId xmlns:a16="http://schemas.microsoft.com/office/drawing/2014/main" id="{DB032169-573B-E028-48AC-F6B27CCA3214}"/>
-              </a:ext>
-            </a:extLst>
-          </p:cNvPr>
-          <p:cNvPicPr>
-            <a:picLocks noChangeAspect="1" noChangeArrowheads="1"/>
-          </p:cNvPicPr>
-          <p:nvPr/>
-        </p:nvPicPr>
-        <p:blipFill>
-          <a:blip r:embed="rId12" cstate="print">
-            <a:extLst>
-              <a:ext uri="{28A0092B-C50C-407E-A947-70E740481C1C}">
-                <a14:useLocalDpi xmlns:a14="http://schemas.microsoft.com/office/drawing/2010/main" val="0"/>
-              </a:ext>
-            </a:extLst>
-          </a:blip>
-          <a:srcRect/>
-          <a:stretch>
-            <a:fillRect/>
-          </a:stretch>
-        </p:blipFill>
-        <p:spPr bwMode="auto">
-          <a:xfrm>
-            <a:off x="456863" y="2264461"/>
-            <a:ext cx="8080688" cy="2498270"/>
-          </a:xfrm>
-          <a:prstGeom prst="rect">
-            <a:avLst/>
-          </a:prstGeom>
-          <a:noFill/>
-          <a:extLst>
-            <a:ext uri="{909E8E84-426E-40DD-AFC4-6F175D3DCCD1}">
-              <a14:hiddenFill xmlns:a14="http://schemas.microsoft.com/office/drawing/2010/main">
-                <a:solidFill>
-                  <a:srgbClr val="FFFFFF"/>
-                </a:solidFill>
-              </a14:hiddenFill>
-            </a:ext>
-          </a:extLst>
-        </p:spPr>
-      </p:pic>
-    </p:spTree>
-    <p:extLst>
-      <p:ext uri="{BB962C8B-B14F-4D97-AF65-F5344CB8AC3E}">
-        <p14:creationId xmlns:p14="http://schemas.microsoft.com/office/powerpoint/2010/main" val="2450001954"/>
-      </p:ext>
-    </p:extLst>
-  </p:cSld>
-  <p:clrMapOvr>
-    <a:masterClrMapping/>
-  </p:clrMapOvr>
-</p:sld>
-</file>
-
-<file path=ppt/slides/slide5.xml><?xml version="1.0" encoding="utf-8"?>
-<p:sld xmlns:a="http://schemas.openxmlformats.org/drawingml/2006/main" xmlns:r="http://schemas.openxmlformats.org/officeDocument/2006/relationships" xmlns:p="http://schemas.openxmlformats.org/presentationml/2006/main">
-  <p:cSld>
-    <p:spTree>
-      <p:nvGrpSpPr>
-        <p:cNvPr id="1" name=""/>
-        <p:cNvGrpSpPr/>
-        <p:nvPr/>
-      </p:nvGrpSpPr>
-      <p:grpSpPr>
-        <a:xfrm>
-          <a:off x="0" y="0"/>
-          <a:ext cx="0" cy="0"/>
-          <a:chOff x="0" y="0"/>
-          <a:chExt cx="0" cy="0"/>
-        </a:xfrm>
-      </p:grpSpPr>
-      <p:grpSp>
-        <p:nvGrpSpPr>
           <p:cNvPr id="15" name="그룹 14"/>
           <p:cNvGrpSpPr/>
           <p:nvPr/>
         </p:nvGrpSpPr>
         <p:grpSpPr>
           <a:xfrm>
-            <a:off x="0" y="395933"/>
+            <a:off x="-47927" y="261017"/>
             <a:ext cx="9153144" cy="6318504"/>
             <a:chOff x="28575" y="464884"/>
             <a:chExt cx="9153144" cy="6318504"/>
@@ -7281,7 +5499,7 @@
                   <a:latin typeface="나눔명조 ExtraBold" pitchFamily="18" charset="-127"/>
                   <a:ea typeface="나눔명조 ExtraBold" pitchFamily="18" charset="-127"/>
                 </a:rPr>
-                <a:t>조 주제 발표</a:t>
+                <a:t>조 진행 현황</a:t>
               </a:r>
             </a:p>
           </p:txBody>
@@ -7296,7 +5514,7 @@
         <p:spPr>
           <a:xfrm>
             <a:off x="3461133" y="767538"/>
-            <a:ext cx="2412840" cy="430887"/>
+            <a:ext cx="2313454" cy="430887"/>
           </a:xfrm>
           <a:prstGeom prst="rect">
             <a:avLst/>
@@ -7317,7 +5535,7 @@
                 <a:latin typeface="나눔명조 ExtraBold" pitchFamily="18" charset="-127"/>
                 <a:ea typeface="나눔명조 ExtraBold" pitchFamily="18" charset="-127"/>
               </a:rPr>
-              <a:t>2. </a:t>
+              <a:t>1. </a:t>
             </a:r>
             <a:r>
               <a:rPr lang="ko-KR" altLang="en-US" sz="2200" b="1" i="1" dirty="0">
@@ -7327,7 +5545,7 @@
                 <a:latin typeface="나눔명조 ExtraBold" pitchFamily="18" charset="-127"/>
                 <a:ea typeface="나눔명조 ExtraBold" pitchFamily="18" charset="-127"/>
               </a:rPr>
-              <a:t>세부 구현 계획</a:t>
+              <a:t>지난주 문제점</a:t>
             </a:r>
           </a:p>
         </p:txBody>
@@ -7341,7 +5559,7 @@
         <p:spPr>
           <a:xfrm>
             <a:off x="765148" y="1358092"/>
-            <a:ext cx="2231701" cy="400110"/>
+            <a:ext cx="1750800" cy="400110"/>
           </a:xfrm>
           <a:prstGeom prst="rect">
             <a:avLst/>
@@ -7362,7 +5580,7 @@
                 <a:latin typeface="나눔고딕" pitchFamily="50" charset="-127"/>
                 <a:ea typeface="나눔고딕" pitchFamily="50" charset="-127"/>
               </a:rPr>
-              <a:t>2.1 </a:t>
+              <a:t>1.2 </a:t>
             </a:r>
             <a:r>
               <a:rPr lang="ko-KR" altLang="en-US" sz="2000" b="1" dirty="0">
@@ -7372,89 +5590,56 @@
                 <a:latin typeface="나눔고딕" pitchFamily="50" charset="-127"/>
                 <a:ea typeface="나눔고딕" pitchFamily="50" charset="-127"/>
               </a:rPr>
-              <a:t>사용 모델 선정</a:t>
-            </a:r>
-          </a:p>
-        </p:txBody>
-      </p:sp>
-      <p:sp>
-        <p:nvSpPr>
-          <p:cNvPr id="3" name="TextBox 2">
+              <a:t>추가 사항 </a:t>
+            </a:r>
+            <a:endParaRPr lang="en-US" altLang="ko-KR" sz="2000" b="0" i="0" dirty="0">
+              <a:solidFill>
+                <a:srgbClr val="222222"/>
+              </a:solidFill>
+              <a:effectLst/>
+              <a:latin typeface="Noto Sans DemiLight"/>
+            </a:endParaRPr>
+          </a:p>
+        </p:txBody>
+      </p:sp>
+      <p:pic>
+        <p:nvPicPr>
+          <p:cNvPr id="2" name="Picture 2" descr="C:\Users\Administrator\Desktop\인하대학교\05_템플릿\01_작업\확정\01\PNG\09.png">
             <a:extLst>
               <a:ext uri="{FF2B5EF4-FFF2-40B4-BE49-F238E27FC236}">
-                <a16:creationId xmlns:a16="http://schemas.microsoft.com/office/drawing/2014/main" id="{06424BB9-4AB3-6B72-2604-395BFABEF0AA}"/>
+                <a16:creationId xmlns:a16="http://schemas.microsoft.com/office/drawing/2014/main" id="{01C956C6-4DBE-1B03-B43B-51BE3CEEB105}"/>
               </a:ext>
             </a:extLst>
           </p:cNvPr>
-          <p:cNvSpPr txBox="1"/>
+          <p:cNvPicPr>
+            <a:picLocks noChangeAspect="1" noChangeArrowheads="1"/>
+          </p:cNvPicPr>
           <p:nvPr/>
-        </p:nvSpPr>
-        <p:spPr>
+        </p:nvPicPr>
+        <p:blipFill>
+          <a:blip r:embed="rId9"/>
+          <a:srcRect/>
+          <a:stretch>
+            <a:fillRect/>
+          </a:stretch>
+        </p:blipFill>
+        <p:spPr bwMode="auto">
           <a:xfrm>
-            <a:off x="765148" y="1980109"/>
-            <a:ext cx="2129460" cy="646331"/>
+            <a:off x="1109456" y="2026753"/>
+            <a:ext cx="356235" cy="396716"/>
           </a:xfrm>
           <a:prstGeom prst="rect">
             <a:avLst/>
           </a:prstGeom>
           <a:noFill/>
         </p:spPr>
-        <p:txBody>
-          <a:bodyPr wrap="square" rtlCol="0">
-            <a:spAutoFit/>
-          </a:bodyPr>
-          <a:lstStyle/>
-          <a:p>
-            <a:endParaRPr lang="en-US" altLang="ko-KR" dirty="0"/>
-          </a:p>
-          <a:p>
-            <a:r>
-              <a:rPr lang="en-US" altLang="ko-KR" dirty="0"/>
-              <a:t>1) </a:t>
-            </a:r>
-            <a:r>
-              <a:rPr lang="ko-KR" altLang="en-US" dirty="0"/>
-              <a:t>화자 분리 모델 </a:t>
-            </a:r>
-          </a:p>
-        </p:txBody>
-      </p:sp>
-      <p:pic>
-        <p:nvPicPr>
-          <p:cNvPr id="6" name="그림 5">
+      </p:pic>
+      <p:sp>
+        <p:nvSpPr>
+          <p:cNvPr id="6" name="TextBox 5">
             <a:extLst>
               <a:ext uri="{FF2B5EF4-FFF2-40B4-BE49-F238E27FC236}">
-                <a16:creationId xmlns:a16="http://schemas.microsoft.com/office/drawing/2014/main" id="{7BD417F5-7AF0-F980-A4AB-C396BDBD0164}"/>
-              </a:ext>
-            </a:extLst>
-          </p:cNvPr>
-          <p:cNvPicPr>
-            <a:picLocks noChangeAspect="1"/>
-          </p:cNvPicPr>
-          <p:nvPr/>
-        </p:nvPicPr>
-        <p:blipFill>
-          <a:blip r:embed="rId9"/>
-          <a:stretch>
-            <a:fillRect/>
-          </a:stretch>
-        </p:blipFill>
-        <p:spPr>
-          <a:xfrm>
-            <a:off x="2936610" y="2328972"/>
-            <a:ext cx="5659277" cy="3044208"/>
-          </a:xfrm>
-          <a:prstGeom prst="rect">
-            <a:avLst/>
-          </a:prstGeom>
-        </p:spPr>
-      </p:pic>
-      <p:sp>
-        <p:nvSpPr>
-          <p:cNvPr id="2" name="TextBox 1">
-            <a:extLst>
-              <a:ext uri="{FF2B5EF4-FFF2-40B4-BE49-F238E27FC236}">
-                <a16:creationId xmlns:a16="http://schemas.microsoft.com/office/drawing/2014/main" id="{D12D0B05-5001-0EA7-BB0E-3CB36C4C08E3}"/>
+                <a16:creationId xmlns:a16="http://schemas.microsoft.com/office/drawing/2014/main" id="{FD905168-04F8-5DBA-436D-C382C0D7C2C2}"/>
               </a:ext>
             </a:extLst>
           </p:cNvPr>
@@ -7463,8 +5648,8 @@
         </p:nvSpPr>
         <p:spPr>
           <a:xfrm>
-            <a:off x="908190" y="2732653"/>
-            <a:ext cx="2232248" cy="523220"/>
+            <a:off x="1144376" y="2054137"/>
+            <a:ext cx="286393" cy="369332"/>
           </a:xfrm>
           <a:prstGeom prst="rect">
             <a:avLst/>
@@ -7472,23 +5657,301 @@
           <a:noFill/>
         </p:spPr>
         <p:txBody>
+          <a:bodyPr wrap="square">
+            <a:spAutoFit/>
+          </a:bodyPr>
+          <a:lstStyle/>
+          <a:p>
+            <a:pPr algn="ctr"/>
+            <a:r>
+              <a:rPr lang="en-US" altLang="ko-KR" b="1" dirty="0">
+                <a:solidFill>
+                  <a:srgbClr val="5B4058"/>
+                </a:solidFill>
+                <a:latin typeface="나눔고딕" pitchFamily="50" charset="-127"/>
+                <a:ea typeface="나눔고딕" pitchFamily="50" charset="-127"/>
+              </a:rPr>
+              <a:t>1</a:t>
+            </a:r>
+            <a:endParaRPr lang="en-US" altLang="ko-KR" sz="1800" b="1" dirty="0">
+              <a:solidFill>
+                <a:srgbClr val="5B4058"/>
+              </a:solidFill>
+              <a:latin typeface="나눔고딕" pitchFamily="50" charset="-127"/>
+              <a:ea typeface="나눔고딕" pitchFamily="50" charset="-127"/>
+            </a:endParaRPr>
+          </a:p>
+        </p:txBody>
+      </p:sp>
+      <p:sp>
+        <p:nvSpPr>
+          <p:cNvPr id="3" name="TextBox 2">
+            <a:extLst>
+              <a:ext uri="{FF2B5EF4-FFF2-40B4-BE49-F238E27FC236}">
+                <a16:creationId xmlns:a16="http://schemas.microsoft.com/office/drawing/2014/main" id="{F347F30C-3049-608A-E91E-83FDEC8D66A9}"/>
+              </a:ext>
+            </a:extLst>
+          </p:cNvPr>
+          <p:cNvSpPr txBox="1"/>
+          <p:nvPr/>
+        </p:nvSpPr>
+        <p:spPr>
+          <a:xfrm>
+            <a:off x="1500611" y="2039769"/>
+            <a:ext cx="5413353" cy="369332"/>
+          </a:xfrm>
+          <a:prstGeom prst="rect">
+            <a:avLst/>
+          </a:prstGeom>
+          <a:noFill/>
+        </p:spPr>
+        <p:txBody>
           <a:bodyPr wrap="square" rtlCol="0">
             <a:spAutoFit/>
           </a:bodyPr>
           <a:lstStyle/>
           <a:p>
             <a:r>
-              <a:rPr lang="en-US" altLang="ko-KR" sz="2800" b="1" dirty="0"/>
-              <a:t>UIS-RNN</a:t>
-            </a:r>
-            <a:endParaRPr lang="ko-KR" altLang="en-US" sz="2800" b="1" dirty="0"/>
+              <a:rPr lang="ko-KR" altLang="en-US" b="1" spc="100" dirty="0">
+                <a:solidFill>
+                  <a:srgbClr val="5E3960"/>
+                </a:solidFill>
+                <a:latin typeface="나눔고딕" pitchFamily="50" charset="-127"/>
+                <a:ea typeface="나눔고딕" pitchFamily="50" charset="-127"/>
+              </a:rPr>
+              <a:t>화자 분리</a:t>
+            </a:r>
+            <a:r>
+              <a:rPr lang="en-US" altLang="ko-KR" b="1" spc="100" dirty="0">
+                <a:solidFill>
+                  <a:srgbClr val="5E3960"/>
+                </a:solidFill>
+                <a:latin typeface="나눔고딕" pitchFamily="50" charset="-127"/>
+                <a:ea typeface="나눔고딕" pitchFamily="50" charset="-127"/>
+              </a:rPr>
+              <a:t>(Speaker separation)</a:t>
+            </a:r>
+            <a:endParaRPr lang="ko-KR" altLang="en-US" b="1" spc="100" dirty="0">
+              <a:solidFill>
+                <a:srgbClr val="5E3960"/>
+              </a:solidFill>
+              <a:latin typeface="나눔고딕" pitchFamily="50" charset="-127"/>
+              <a:ea typeface="나눔고딕" pitchFamily="50" charset="-127"/>
+            </a:endParaRPr>
+          </a:p>
+        </p:txBody>
+      </p:sp>
+      <p:pic>
+        <p:nvPicPr>
+          <p:cNvPr id="4" name="Picture 2">
+            <a:extLst>
+              <a:ext uri="{FF2B5EF4-FFF2-40B4-BE49-F238E27FC236}">
+                <a16:creationId xmlns:a16="http://schemas.microsoft.com/office/drawing/2014/main" id="{22E2C0F5-4369-5A13-551F-9FA2126D7398}"/>
+              </a:ext>
+            </a:extLst>
+          </p:cNvPr>
+          <p:cNvPicPr>
+            <a:picLocks noChangeAspect="1" noChangeArrowheads="1"/>
+          </p:cNvPicPr>
+          <p:nvPr/>
+        </p:nvPicPr>
+        <p:blipFill>
+          <a:blip r:embed="rId10">
+            <a:extLst>
+              <a:ext uri="{28A0092B-C50C-407E-A947-70E740481C1C}">
+                <a14:useLocalDpi xmlns:a14="http://schemas.microsoft.com/office/drawing/2010/main" val="0"/>
+              </a:ext>
+            </a:extLst>
+          </a:blip>
+          <a:srcRect/>
+          <a:stretch>
+            <a:fillRect/>
+          </a:stretch>
+        </p:blipFill>
+        <p:spPr bwMode="auto">
+          <a:xfrm>
+            <a:off x="1500611" y="2626924"/>
+            <a:ext cx="5021004" cy="1915154"/>
+          </a:xfrm>
+          <a:prstGeom prst="rect">
+            <a:avLst/>
+          </a:prstGeom>
+          <a:noFill/>
+          <a:extLst>
+            <a:ext uri="{909E8E84-426E-40DD-AFC4-6F175D3DCCD1}">
+              <a14:hiddenFill xmlns:a14="http://schemas.microsoft.com/office/drawing/2010/main">
+                <a:solidFill>
+                  <a:srgbClr val="FFFFFF"/>
+                </a:solidFill>
+              </a14:hiddenFill>
+            </a:ext>
+          </a:extLst>
+        </p:spPr>
+      </p:pic>
+      <p:sp>
+        <p:nvSpPr>
+          <p:cNvPr id="16" name="TextBox 15">
+            <a:extLst>
+              <a:ext uri="{FF2B5EF4-FFF2-40B4-BE49-F238E27FC236}">
+                <a16:creationId xmlns:a16="http://schemas.microsoft.com/office/drawing/2014/main" id="{F67D63FA-3877-E00D-B17D-6448171748F3}"/>
+              </a:ext>
+            </a:extLst>
+          </p:cNvPr>
+          <p:cNvSpPr txBox="1"/>
+          <p:nvPr/>
+        </p:nvSpPr>
+        <p:spPr>
+          <a:xfrm>
+            <a:off x="1501147" y="4733471"/>
+            <a:ext cx="5413353" cy="369332"/>
+          </a:xfrm>
+          <a:prstGeom prst="rect">
+            <a:avLst/>
+          </a:prstGeom>
+          <a:noFill/>
+        </p:spPr>
+        <p:txBody>
+          <a:bodyPr wrap="square" rtlCol="0">
+            <a:spAutoFit/>
+          </a:bodyPr>
+          <a:lstStyle/>
+          <a:p>
+            <a:r>
+              <a:rPr lang="en-US" altLang="ko-KR" b="1" spc="100" dirty="0">
+                <a:solidFill>
+                  <a:srgbClr val="5E3960"/>
+                </a:solidFill>
+                <a:latin typeface="나눔고딕" pitchFamily="50" charset="-127"/>
+                <a:ea typeface="나눔고딕" pitchFamily="50" charset="-127"/>
+              </a:rPr>
+              <a:t>VAD </a:t>
+            </a:r>
+            <a:r>
+              <a:rPr lang="ko-KR" altLang="en-US" b="1" spc="100" dirty="0">
+                <a:solidFill>
+                  <a:srgbClr val="5E3960"/>
+                </a:solidFill>
+                <a:latin typeface="나눔고딕" pitchFamily="50" charset="-127"/>
+                <a:ea typeface="나눔고딕" pitchFamily="50" charset="-127"/>
+              </a:rPr>
+              <a:t>알고리즘</a:t>
+            </a:r>
+          </a:p>
+        </p:txBody>
+      </p:sp>
+      <p:sp>
+        <p:nvSpPr>
+          <p:cNvPr id="17" name="TextBox 16">
+            <a:extLst>
+              <a:ext uri="{FF2B5EF4-FFF2-40B4-BE49-F238E27FC236}">
+                <a16:creationId xmlns:a16="http://schemas.microsoft.com/office/drawing/2014/main" id="{1C89BB28-CE3A-9F41-E7E9-82B4E4443DFC}"/>
+              </a:ext>
+            </a:extLst>
+          </p:cNvPr>
+          <p:cNvSpPr txBox="1"/>
+          <p:nvPr/>
+        </p:nvSpPr>
+        <p:spPr>
+          <a:xfrm>
+            <a:off x="1500611" y="5267453"/>
+            <a:ext cx="5413353" cy="369332"/>
+          </a:xfrm>
+          <a:prstGeom prst="rect">
+            <a:avLst/>
+          </a:prstGeom>
+          <a:noFill/>
+        </p:spPr>
+        <p:txBody>
+          <a:bodyPr wrap="square" rtlCol="0">
+            <a:spAutoFit/>
+          </a:bodyPr>
+          <a:lstStyle/>
+          <a:p>
+            <a:r>
+              <a:rPr lang="ko-KR" altLang="en-US" dirty="0"/>
+              <a:t>음성 신호에서 실제 음성과 묵음을 분간하는 기술</a:t>
+            </a:r>
+          </a:p>
+        </p:txBody>
+      </p:sp>
+      <p:pic>
+        <p:nvPicPr>
+          <p:cNvPr id="20" name="Picture 2" descr="C:\Users\Administrator\Desktop\인하대학교\05_템플릿\01_작업\확정\01\PNG\09.png">
+            <a:extLst>
+              <a:ext uri="{FF2B5EF4-FFF2-40B4-BE49-F238E27FC236}">
+                <a16:creationId xmlns:a16="http://schemas.microsoft.com/office/drawing/2014/main" id="{179137A2-625C-D2DC-4589-B8B18D79324E}"/>
+              </a:ext>
+            </a:extLst>
+          </p:cNvPr>
+          <p:cNvPicPr>
+            <a:picLocks noChangeAspect="1" noChangeArrowheads="1"/>
+          </p:cNvPicPr>
+          <p:nvPr/>
+        </p:nvPicPr>
+        <p:blipFill>
+          <a:blip r:embed="rId9"/>
+          <a:srcRect/>
+          <a:stretch>
+            <a:fillRect/>
+          </a:stretch>
+        </p:blipFill>
+        <p:spPr bwMode="auto">
+          <a:xfrm>
+            <a:off x="1144376" y="4733471"/>
+            <a:ext cx="356235" cy="396716"/>
+          </a:xfrm>
+          <a:prstGeom prst="rect">
+            <a:avLst/>
+          </a:prstGeom>
+          <a:noFill/>
+        </p:spPr>
+      </p:pic>
+      <p:sp>
+        <p:nvSpPr>
+          <p:cNvPr id="18" name="TextBox 17">
+            <a:extLst>
+              <a:ext uri="{FF2B5EF4-FFF2-40B4-BE49-F238E27FC236}">
+                <a16:creationId xmlns:a16="http://schemas.microsoft.com/office/drawing/2014/main" id="{38E06F04-B0F4-10EA-C7E5-276E10AD7557}"/>
+              </a:ext>
+            </a:extLst>
+          </p:cNvPr>
+          <p:cNvSpPr txBox="1"/>
+          <p:nvPr/>
+        </p:nvSpPr>
+        <p:spPr>
+          <a:xfrm>
+            <a:off x="1182573" y="4733471"/>
+            <a:ext cx="286393" cy="369332"/>
+          </a:xfrm>
+          <a:prstGeom prst="rect">
+            <a:avLst/>
+          </a:prstGeom>
+          <a:noFill/>
+        </p:spPr>
+        <p:txBody>
+          <a:bodyPr wrap="square">
+            <a:spAutoFit/>
+          </a:bodyPr>
+          <a:lstStyle/>
+          <a:p>
+            <a:pPr algn="ctr"/>
+            <a:r>
+              <a:rPr lang="en-US" altLang="ko-KR" sz="1800" b="1" dirty="0">
+                <a:solidFill>
+                  <a:srgbClr val="5B4058"/>
+                </a:solidFill>
+                <a:latin typeface="나눔고딕" pitchFamily="50" charset="-127"/>
+                <a:ea typeface="나눔고딕" pitchFamily="50" charset="-127"/>
+              </a:rPr>
+              <a:t>2</a:t>
+            </a:r>
           </a:p>
         </p:txBody>
       </p:sp>
     </p:spTree>
     <p:extLst>
       <p:ext uri="{BB962C8B-B14F-4D97-AF65-F5344CB8AC3E}">
-        <p14:creationId xmlns:p14="http://schemas.microsoft.com/office/powerpoint/2010/main" val="821240103"/>
+        <p14:creationId xmlns:p14="http://schemas.microsoft.com/office/powerpoint/2010/main" val="3736645018"/>
       </p:ext>
     </p:extLst>
   </p:cSld>
@@ -7498,7 +5961,7 @@
 </p:sld>
 </file>
 
-<file path=ppt/slides/slide6.xml><?xml version="1.0" encoding="utf-8"?>
+<file path=ppt/slides/slide4.xml><?xml version="1.0" encoding="utf-8"?>
 <p:sld xmlns:a="http://schemas.openxmlformats.org/drawingml/2006/main" xmlns:r="http://schemas.openxmlformats.org/officeDocument/2006/relationships" xmlns:p="http://schemas.openxmlformats.org/presentationml/2006/main">
   <p:cSld>
     <p:spTree>
@@ -7523,7 +5986,7 @@
         </p:nvGrpSpPr>
         <p:grpSpPr>
           <a:xfrm>
-            <a:off x="0" y="395933"/>
+            <a:off x="0" y="261017"/>
             <a:ext cx="9153144" cy="6318504"/>
             <a:chOff x="28575" y="464884"/>
             <a:chExt cx="9153144" cy="6318504"/>
@@ -7649,32 +6112,6 @@
           <a:noFill/>
         </p:spPr>
       </p:pic>
-      <p:pic>
-        <p:nvPicPr>
-          <p:cNvPr id="2050" name="Picture 2" descr="C:\Users\Administrator\Desktop\인하대학교\05_템플릿\01_작업\확정\01\PNG\02.png"/>
-          <p:cNvPicPr>
-            <a:picLocks noChangeAspect="1" noChangeArrowheads="1"/>
-          </p:cNvPicPr>
-          <p:nvPr/>
-        </p:nvPicPr>
-        <p:blipFill>
-          <a:blip r:embed="rId7"/>
-          <a:srcRect t="-140000" b="-140000"/>
-          <a:stretch>
-            <a:fillRect/>
-          </a:stretch>
-        </p:blipFill>
-        <p:spPr bwMode="auto">
-          <a:xfrm>
-            <a:off x="479396" y="1800405"/>
-            <a:ext cx="8110728" cy="69494"/>
-          </a:xfrm>
-          <a:prstGeom prst="rect">
-            <a:avLst/>
-          </a:prstGeom>
-          <a:noFill/>
-        </p:spPr>
-      </p:pic>
       <p:grpSp>
         <p:nvGrpSpPr>
           <p:cNvPr id="10" name="그룹 9"/>
@@ -7698,7 +6135,7 @@
             <p:nvPr/>
           </p:nvPicPr>
           <p:blipFill>
-            <a:blip r:embed="rId8"/>
+            <a:blip r:embed="rId7"/>
             <a:srcRect/>
             <a:stretch>
               <a:fillRect/>
@@ -7755,7 +6192,7 @@
                   <a:latin typeface="나눔명조 ExtraBold" pitchFamily="18" charset="-127"/>
                   <a:ea typeface="나눔명조 ExtraBold" pitchFamily="18" charset="-127"/>
                 </a:rPr>
-                <a:t>조 주제 발표</a:t>
+                <a:t>조 진행 현황</a:t>
               </a:r>
             </a:p>
           </p:txBody>
@@ -7770,7 +6207,7 @@
         <p:spPr>
           <a:xfrm>
             <a:off x="3461133" y="767538"/>
-            <a:ext cx="2412840" cy="430887"/>
+            <a:ext cx="2595582" cy="430887"/>
           </a:xfrm>
           <a:prstGeom prst="rect">
             <a:avLst/>
@@ -7801,306 +6238,45 @@
                 <a:latin typeface="나눔명조 ExtraBold" pitchFamily="18" charset="-127"/>
                 <a:ea typeface="나눔명조 ExtraBold" pitchFamily="18" charset="-127"/>
               </a:rPr>
-              <a:t>세부 구현 계획</a:t>
-            </a:r>
-          </a:p>
-        </p:txBody>
-      </p:sp>
-      <p:sp>
-        <p:nvSpPr>
-          <p:cNvPr id="11" name="TextBox 10"/>
-          <p:cNvSpPr txBox="1"/>
+              <a:t>프로젝트 진행도</a:t>
+            </a:r>
+          </a:p>
+        </p:txBody>
+      </p:sp>
+      <p:pic>
+        <p:nvPicPr>
+          <p:cNvPr id="5" name="그림 4">
+            <a:extLst>
+              <a:ext uri="{FF2B5EF4-FFF2-40B4-BE49-F238E27FC236}">
+                <a16:creationId xmlns:a16="http://schemas.microsoft.com/office/drawing/2014/main" id="{3D77A40E-6FD9-73F2-8E77-7518410E77E5}"/>
+              </a:ext>
+            </a:extLst>
+          </p:cNvPr>
+          <p:cNvPicPr>
+            <a:picLocks noChangeAspect="1"/>
+          </p:cNvPicPr>
           <p:nvPr/>
-        </p:nvSpPr>
+        </p:nvPicPr>
+        <p:blipFill>
+          <a:blip r:embed="rId8"/>
+          <a:stretch>
+            <a:fillRect/>
+          </a:stretch>
+        </p:blipFill>
         <p:spPr>
           <a:xfrm>
-            <a:off x="765148" y="1358092"/>
-            <a:ext cx="1678665" cy="400110"/>
+            <a:off x="950392" y="1980109"/>
+            <a:ext cx="6350992" cy="1810085"/>
           </a:xfrm>
           <a:prstGeom prst="rect">
             <a:avLst/>
           </a:prstGeom>
-          <a:noFill/>
         </p:spPr>
-        <p:txBody>
-          <a:bodyPr wrap="none" rtlCol="0">
-            <a:spAutoFit/>
-          </a:bodyPr>
-          <a:lstStyle/>
-          <a:p>
-            <a:r>
-              <a:rPr lang="en-US" altLang="ko-KR" sz="2000" b="1" dirty="0">
-                <a:solidFill>
-                  <a:srgbClr val="5C431E"/>
-                </a:solidFill>
-                <a:latin typeface="나눔고딕" pitchFamily="50" charset="-127"/>
-                <a:ea typeface="나눔고딕" pitchFamily="50" charset="-127"/>
-              </a:rPr>
-              <a:t>2.2 </a:t>
-            </a:r>
-            <a:r>
-              <a:rPr lang="ko-KR" altLang="en-US" sz="2000" b="1" dirty="0">
-                <a:solidFill>
-                  <a:srgbClr val="5C431E"/>
-                </a:solidFill>
-                <a:latin typeface="나눔고딕" pitchFamily="50" charset="-127"/>
-                <a:ea typeface="나눔고딕" pitchFamily="50" charset="-127"/>
-              </a:rPr>
-              <a:t>결과 평가</a:t>
-            </a:r>
-          </a:p>
-        </p:txBody>
-      </p:sp>
-      <p:sp>
-        <p:nvSpPr>
-          <p:cNvPr id="3" name="TextBox 2">
-            <a:extLst>
-              <a:ext uri="{FF2B5EF4-FFF2-40B4-BE49-F238E27FC236}">
-                <a16:creationId xmlns:a16="http://schemas.microsoft.com/office/drawing/2014/main" id="{06424BB9-4AB3-6B72-2604-395BFABEF0AA}"/>
-              </a:ext>
-            </a:extLst>
-          </p:cNvPr>
-          <p:cNvSpPr txBox="1"/>
-          <p:nvPr/>
-        </p:nvSpPr>
-        <p:spPr>
-          <a:xfrm>
-            <a:off x="765148" y="1727003"/>
-            <a:ext cx="2129460" cy="646331"/>
-          </a:xfrm>
-          <a:prstGeom prst="rect">
-            <a:avLst/>
-          </a:prstGeom>
-          <a:noFill/>
-        </p:spPr>
-        <p:txBody>
-          <a:bodyPr wrap="square" rtlCol="0">
-            <a:spAutoFit/>
-          </a:bodyPr>
-          <a:lstStyle/>
-          <a:p>
-            <a:endParaRPr lang="en-US" altLang="ko-KR" dirty="0"/>
-          </a:p>
-          <a:p>
-            <a:r>
-              <a:rPr lang="en-US" altLang="ko-KR" dirty="0"/>
-              <a:t>1) </a:t>
-            </a:r>
-            <a:r>
-              <a:rPr lang="ko-KR" altLang="en-US" dirty="0"/>
-              <a:t>요약문</a:t>
-            </a:r>
-          </a:p>
-        </p:txBody>
-      </p:sp>
-      <p:graphicFrame>
-        <p:nvGraphicFramePr>
-          <p:cNvPr id="4" name="표 4">
-            <a:extLst>
-              <a:ext uri="{FF2B5EF4-FFF2-40B4-BE49-F238E27FC236}">
-                <a16:creationId xmlns:a16="http://schemas.microsoft.com/office/drawing/2014/main" id="{D5C64EBC-6980-C461-3B29-EF021B92DB6F}"/>
-              </a:ext>
-            </a:extLst>
-          </p:cNvPr>
-          <p:cNvGraphicFramePr>
-            <a:graphicFrameLocks noGrp="1"/>
-          </p:cNvGraphicFramePr>
-          <p:nvPr>
-            <p:extLst>
-              <p:ext uri="{D42A27DB-BD31-4B8C-83A1-F6EECF244321}">
-                <p14:modId xmlns:p14="http://schemas.microsoft.com/office/powerpoint/2010/main" val="236918478"/>
-              </p:ext>
-            </p:extLst>
-          </p:nvPr>
-        </p:nvGraphicFramePr>
-        <p:xfrm>
-          <a:off x="950392" y="2765145"/>
-          <a:ext cx="7488831" cy="1207896"/>
-        </p:xfrm>
-        <a:graphic>
-          <a:graphicData uri="http://schemas.openxmlformats.org/drawingml/2006/table">
-            <a:tbl>
-              <a:tblPr firstRow="1" bandRow="1">
-                <a:tableStyleId>{5C22544A-7EE6-4342-B048-85BDC9FD1C3A}</a:tableStyleId>
-              </a:tblPr>
-              <a:tblGrid>
-                <a:gridCol w="720080">
-                  <a:extLst>
-                    <a:ext uri="{9D8B030D-6E8A-4147-A177-3AD203B41FA5}">
-                      <a16:colId xmlns:a16="http://schemas.microsoft.com/office/drawing/2014/main" val="3050716301"/>
-                    </a:ext>
-                  </a:extLst>
-                </a:gridCol>
-                <a:gridCol w="3240360">
-                  <a:extLst>
-                    <a:ext uri="{9D8B030D-6E8A-4147-A177-3AD203B41FA5}">
-                      <a16:colId xmlns:a16="http://schemas.microsoft.com/office/drawing/2014/main" val="1815762615"/>
-                    </a:ext>
-                  </a:extLst>
-                </a:gridCol>
-                <a:gridCol w="3528391">
-                  <a:extLst>
-                    <a:ext uri="{9D8B030D-6E8A-4147-A177-3AD203B41FA5}">
-                      <a16:colId xmlns:a16="http://schemas.microsoft.com/office/drawing/2014/main" val="61416092"/>
-                    </a:ext>
-                  </a:extLst>
-                </a:gridCol>
-              </a:tblGrid>
-              <a:tr h="271701">
-                <a:tc>
-                  <a:txBody>
-                    <a:bodyPr/>
-                    <a:lstStyle/>
-                    <a:p>
-                      <a:pPr latinLnBrk="1"/>
-                      <a:endParaRPr lang="ko-KR" altLang="en-US"/>
-                    </a:p>
-                  </a:txBody>
-                  <a:tcPr/>
-                </a:tc>
-                <a:tc>
-                  <a:txBody>
-                    <a:bodyPr/>
-                    <a:lstStyle/>
-                    <a:p>
-                      <a:pPr latinLnBrk="1"/>
-                      <a:r>
-                        <a:rPr lang="ko-KR" altLang="en-US" dirty="0"/>
-                        <a:t>자동 평가</a:t>
-                      </a:r>
-                    </a:p>
-                  </a:txBody>
-                  <a:tcPr/>
-                </a:tc>
-                <a:tc>
-                  <a:txBody>
-                    <a:bodyPr/>
-                    <a:lstStyle/>
-                    <a:p>
-                      <a:pPr latinLnBrk="1"/>
-                      <a:r>
-                        <a:rPr lang="ko-KR" altLang="en-US" dirty="0"/>
-                        <a:t>인간 평가</a:t>
-                      </a:r>
-                    </a:p>
-                  </a:txBody>
-                  <a:tcPr/>
-                </a:tc>
-                <a:extLst>
-                  <a:ext uri="{0D108BD9-81ED-4DB2-BD59-A6C34878D82A}">
-                    <a16:rowId xmlns:a16="http://schemas.microsoft.com/office/drawing/2014/main" val="3223154877"/>
-                  </a:ext>
-                </a:extLst>
-              </a:tr>
-              <a:tr h="842136">
-                <a:tc>
-                  <a:txBody>
-                    <a:bodyPr/>
-                    <a:lstStyle/>
-                    <a:p>
-                      <a:pPr latinLnBrk="1"/>
-                      <a:endParaRPr lang="ko-KR" altLang="en-US" dirty="0"/>
-                    </a:p>
-                  </a:txBody>
-                  <a:tcPr/>
-                </a:tc>
-                <a:tc>
-                  <a:txBody>
-                    <a:bodyPr/>
-                    <a:lstStyle/>
-                    <a:p>
-                      <a:pPr marL="0" indent="0" latinLnBrk="1">
-                        <a:buFontTx/>
-                        <a:buNone/>
-                      </a:pPr>
-                      <a:r>
-                        <a:rPr lang="en-US" altLang="ko-KR" sz="1800" b="0" i="0" kern="1200" dirty="0">
-                          <a:solidFill>
-                            <a:schemeClr val="dk1"/>
-                          </a:solidFill>
-                          <a:effectLst/>
-                          <a:latin typeface="+mn-lt"/>
-                          <a:ea typeface="+mn-ea"/>
-                          <a:cs typeface="+mn-cs"/>
-                        </a:rPr>
-                        <a:t>ROUGE</a:t>
-                      </a:r>
-                      <a:r>
-                        <a:rPr lang="ko-KR" altLang="en-US" sz="1800" b="0" i="0" kern="1200" dirty="0">
-                          <a:solidFill>
-                            <a:schemeClr val="dk1"/>
-                          </a:solidFill>
-                          <a:effectLst/>
-                          <a:latin typeface="+mn-lt"/>
-                          <a:ea typeface="+mn-ea"/>
-                          <a:cs typeface="+mn-cs"/>
-                        </a:rPr>
-                        <a:t>와 </a:t>
-                      </a:r>
-                      <a:r>
-                        <a:rPr lang="en-US" altLang="ko-KR" sz="1800" b="0" i="0" kern="1200" dirty="0">
-                          <a:solidFill>
-                            <a:schemeClr val="dk1"/>
-                          </a:solidFill>
-                          <a:effectLst/>
-                          <a:latin typeface="+mn-lt"/>
-                          <a:ea typeface="+mn-ea"/>
-                          <a:cs typeface="+mn-cs"/>
-                        </a:rPr>
-                        <a:t>BLEU</a:t>
-                      </a:r>
-                      <a:r>
-                        <a:rPr lang="ko-KR" altLang="en-US" sz="1800" b="0" i="0" kern="1200" dirty="0">
-                          <a:solidFill>
-                            <a:schemeClr val="dk1"/>
-                          </a:solidFill>
-                          <a:effectLst/>
-                          <a:latin typeface="+mn-lt"/>
-                          <a:ea typeface="+mn-ea"/>
-                          <a:cs typeface="+mn-cs"/>
-                        </a:rPr>
-                        <a:t>을 이용하여 유사성 측정</a:t>
-                      </a:r>
-                      <a:endParaRPr lang="ko-KR" altLang="en-US" sz="1600" dirty="0"/>
-                    </a:p>
-                  </a:txBody>
-                  <a:tcPr/>
-                </a:tc>
-                <a:tc>
-                  <a:txBody>
-                    <a:bodyPr/>
-                    <a:lstStyle/>
-                    <a:p>
-                      <a:pPr marL="0" indent="0" latinLnBrk="1">
-                        <a:buFontTx/>
-                        <a:buNone/>
-                      </a:pPr>
-                      <a:r>
-                        <a:rPr lang="en-US" altLang="ko-KR" sz="1600" dirty="0"/>
-                        <a:t>3-5</a:t>
-                      </a:r>
-                      <a:r>
-                        <a:rPr lang="ko-KR" altLang="en-US" sz="1600" dirty="0"/>
-                        <a:t>명의 평가자가 요약문을 읽고 문장의 자연스러움과 흐름 판단</a:t>
-                      </a:r>
-                    </a:p>
-                  </a:txBody>
-                  <a:tcPr/>
-                </a:tc>
-                <a:extLst>
-                  <a:ext uri="{0D108BD9-81ED-4DB2-BD59-A6C34878D82A}">
-                    <a16:rowId xmlns:a16="http://schemas.microsoft.com/office/drawing/2014/main" val="2053555026"/>
-                  </a:ext>
-                </a:extLst>
-              </a:tr>
-            </a:tbl>
-          </a:graphicData>
-        </a:graphic>
-      </p:graphicFrame>
+      </p:pic>
     </p:spTree>
     <p:extLst>
       <p:ext uri="{BB962C8B-B14F-4D97-AF65-F5344CB8AC3E}">
-        <p14:creationId xmlns:p14="http://schemas.microsoft.com/office/powerpoint/2010/main" val="301654179"/>
+        <p14:creationId xmlns:p14="http://schemas.microsoft.com/office/powerpoint/2010/main" val="435922157"/>
       </p:ext>
     </p:extLst>
   </p:cSld>
@@ -8110,7 +6286,7 @@
 </p:sld>
 </file>
 
-<file path=ppt/slides/slide7.xml><?xml version="1.0" encoding="utf-8"?>
+<file path=ppt/slides/slide5.xml><?xml version="1.0" encoding="utf-8"?>
 <p:sld xmlns:a="http://schemas.openxmlformats.org/drawingml/2006/main" xmlns:r="http://schemas.openxmlformats.org/officeDocument/2006/relationships" xmlns:p="http://schemas.openxmlformats.org/presentationml/2006/main">
   <p:cSld>
     <p:spTree>
@@ -8135,7 +6311,7 @@
         </p:nvGrpSpPr>
         <p:grpSpPr>
           <a:xfrm>
-            <a:off x="0" y="395933"/>
+            <a:off x="0" y="261017"/>
             <a:ext cx="9153144" cy="6318504"/>
             <a:chOff x="28575" y="464884"/>
             <a:chExt cx="9153144" cy="6318504"/>
@@ -8261,32 +6437,6 @@
           <a:noFill/>
         </p:spPr>
       </p:pic>
-      <p:pic>
-        <p:nvPicPr>
-          <p:cNvPr id="2050" name="Picture 2" descr="C:\Users\Administrator\Desktop\인하대학교\05_템플릿\01_작업\확정\01\PNG\02.png"/>
-          <p:cNvPicPr>
-            <a:picLocks noChangeAspect="1" noChangeArrowheads="1"/>
-          </p:cNvPicPr>
-          <p:nvPr/>
-        </p:nvPicPr>
-        <p:blipFill>
-          <a:blip r:embed="rId7"/>
-          <a:srcRect t="-140000" b="-140000"/>
-          <a:stretch>
-            <a:fillRect/>
-          </a:stretch>
-        </p:blipFill>
-        <p:spPr bwMode="auto">
-          <a:xfrm>
-            <a:off x="479396" y="1800405"/>
-            <a:ext cx="8110728" cy="69494"/>
-          </a:xfrm>
-          <a:prstGeom prst="rect">
-            <a:avLst/>
-          </a:prstGeom>
-          <a:noFill/>
-        </p:spPr>
-      </p:pic>
       <p:grpSp>
         <p:nvGrpSpPr>
           <p:cNvPr id="10" name="그룹 9"/>
@@ -8310,7 +6460,7 @@
             <p:nvPr/>
           </p:nvPicPr>
           <p:blipFill>
-            <a:blip r:embed="rId8"/>
+            <a:blip r:embed="rId7"/>
             <a:srcRect/>
             <a:stretch>
               <a:fillRect/>
@@ -8367,7 +6517,7 @@
                   <a:latin typeface="나눔명조 ExtraBold" pitchFamily="18" charset="-127"/>
                   <a:ea typeface="나눔명조 ExtraBold" pitchFamily="18" charset="-127"/>
                 </a:rPr>
-                <a:t>조 주제 발표</a:t>
+                <a:t>조 진행 현황</a:t>
               </a:r>
             </a:p>
           </p:txBody>
@@ -8382,7 +6532,7 @@
         <p:spPr>
           <a:xfrm>
             <a:off x="3461133" y="767538"/>
-            <a:ext cx="2412840" cy="430887"/>
+            <a:ext cx="1749197" cy="430887"/>
           </a:xfrm>
           <a:prstGeom prst="rect">
             <a:avLst/>
@@ -8403,7 +6553,7 @@
                 <a:latin typeface="나눔명조 ExtraBold" pitchFamily="18" charset="-127"/>
                 <a:ea typeface="나눔명조 ExtraBold" pitchFamily="18" charset="-127"/>
               </a:rPr>
-              <a:t>2. </a:t>
+              <a:t>3. </a:t>
             </a:r>
             <a:r>
               <a:rPr lang="ko-KR" altLang="en-US" sz="2200" b="1" i="1" dirty="0">
@@ -8413,428 +6563,15 @@
                 <a:latin typeface="나눔명조 ExtraBold" pitchFamily="18" charset="-127"/>
                 <a:ea typeface="나눔명조 ExtraBold" pitchFamily="18" charset="-127"/>
               </a:rPr>
-              <a:t>세부 구현 계획</a:t>
-            </a:r>
-          </a:p>
-        </p:txBody>
-      </p:sp>
-      <p:sp>
-        <p:nvSpPr>
-          <p:cNvPr id="11" name="TextBox 10"/>
-          <p:cNvSpPr txBox="1"/>
-          <p:nvPr/>
-        </p:nvSpPr>
-        <p:spPr>
-          <a:xfrm>
-            <a:off x="765148" y="1358092"/>
-            <a:ext cx="1678665" cy="400110"/>
-          </a:xfrm>
-          <a:prstGeom prst="rect">
-            <a:avLst/>
-          </a:prstGeom>
-          <a:noFill/>
-        </p:spPr>
-        <p:txBody>
-          <a:bodyPr wrap="none" rtlCol="0">
-            <a:spAutoFit/>
-          </a:bodyPr>
-          <a:lstStyle/>
-          <a:p>
-            <a:r>
-              <a:rPr lang="en-US" altLang="ko-KR" sz="2000" b="1" dirty="0">
-                <a:solidFill>
-                  <a:srgbClr val="5C431E"/>
-                </a:solidFill>
-                <a:latin typeface="나눔고딕" pitchFamily="50" charset="-127"/>
-                <a:ea typeface="나눔고딕" pitchFamily="50" charset="-127"/>
-              </a:rPr>
-              <a:t>2.2 </a:t>
-            </a:r>
-            <a:r>
-              <a:rPr lang="ko-KR" altLang="en-US" sz="2000" b="1" dirty="0">
-                <a:solidFill>
-                  <a:srgbClr val="5C431E"/>
-                </a:solidFill>
-                <a:latin typeface="나눔고딕" pitchFamily="50" charset="-127"/>
-                <a:ea typeface="나눔고딕" pitchFamily="50" charset="-127"/>
-              </a:rPr>
-              <a:t>결과 평가</a:t>
-            </a:r>
-          </a:p>
-        </p:txBody>
-      </p:sp>
-      <p:sp>
-        <p:nvSpPr>
-          <p:cNvPr id="3" name="TextBox 2">
-            <a:extLst>
-              <a:ext uri="{FF2B5EF4-FFF2-40B4-BE49-F238E27FC236}">
-                <a16:creationId xmlns:a16="http://schemas.microsoft.com/office/drawing/2014/main" id="{06424BB9-4AB3-6B72-2604-395BFABEF0AA}"/>
-              </a:ext>
-            </a:extLst>
-          </p:cNvPr>
-          <p:cNvSpPr txBox="1"/>
-          <p:nvPr/>
-        </p:nvSpPr>
-        <p:spPr>
-          <a:xfrm>
-            <a:off x="765148" y="1727003"/>
-            <a:ext cx="2129460" cy="646331"/>
-          </a:xfrm>
-          <a:prstGeom prst="rect">
-            <a:avLst/>
-          </a:prstGeom>
-          <a:noFill/>
-        </p:spPr>
-        <p:txBody>
-          <a:bodyPr wrap="square" rtlCol="0">
-            <a:spAutoFit/>
-          </a:bodyPr>
-          <a:lstStyle/>
-          <a:p>
-            <a:endParaRPr lang="en-US" altLang="ko-KR" dirty="0"/>
-          </a:p>
-          <a:p>
-            <a:r>
-              <a:rPr lang="en-US" altLang="ko-KR" dirty="0"/>
-              <a:t>2) </a:t>
-            </a:r>
-            <a:r>
-              <a:rPr lang="ko-KR" altLang="en-US" dirty="0"/>
-              <a:t>키워드</a:t>
-            </a:r>
-            <a:r>
-              <a:rPr lang="en-US" altLang="ko-KR" dirty="0"/>
-              <a:t> </a:t>
-            </a:r>
-            <a:endParaRPr lang="ko-KR" altLang="en-US" dirty="0"/>
-          </a:p>
-        </p:txBody>
-      </p:sp>
-      <p:graphicFrame>
-        <p:nvGraphicFramePr>
-          <p:cNvPr id="4" name="표 4">
-            <a:extLst>
-              <a:ext uri="{FF2B5EF4-FFF2-40B4-BE49-F238E27FC236}">
-                <a16:creationId xmlns:a16="http://schemas.microsoft.com/office/drawing/2014/main" id="{D5C64EBC-6980-C461-3B29-EF021B92DB6F}"/>
-              </a:ext>
-            </a:extLst>
-          </p:cNvPr>
-          <p:cNvGraphicFramePr>
-            <a:graphicFrameLocks noGrp="1"/>
-          </p:cNvGraphicFramePr>
-          <p:nvPr>
-            <p:extLst>
-              <p:ext uri="{D42A27DB-BD31-4B8C-83A1-F6EECF244321}">
-                <p14:modId xmlns:p14="http://schemas.microsoft.com/office/powerpoint/2010/main" val="1314200053"/>
-              </p:ext>
-            </p:extLst>
-          </p:nvPr>
-        </p:nvGraphicFramePr>
-        <p:xfrm>
-          <a:off x="950392" y="2765145"/>
-          <a:ext cx="7872954" cy="2251832"/>
-        </p:xfrm>
-        <a:graphic>
-          <a:graphicData uri="http://schemas.openxmlformats.org/drawingml/2006/table">
-            <a:tbl>
-              <a:tblPr firstRow="1" bandRow="1">
-                <a:tableStyleId>{5C22544A-7EE6-4342-B048-85BDC9FD1C3A}</a:tableStyleId>
-              </a:tblPr>
-              <a:tblGrid>
-                <a:gridCol w="1589731">
-                  <a:extLst>
-                    <a:ext uri="{9D8B030D-6E8A-4147-A177-3AD203B41FA5}">
-                      <a16:colId xmlns:a16="http://schemas.microsoft.com/office/drawing/2014/main" val="3050716301"/>
-                    </a:ext>
-                  </a:extLst>
-                </a:gridCol>
-                <a:gridCol w="3018781">
-                  <a:extLst>
-                    <a:ext uri="{9D8B030D-6E8A-4147-A177-3AD203B41FA5}">
-                      <a16:colId xmlns:a16="http://schemas.microsoft.com/office/drawing/2014/main" val="1815762615"/>
-                    </a:ext>
-                  </a:extLst>
-                </a:gridCol>
-                <a:gridCol w="3264442">
-                  <a:extLst>
-                    <a:ext uri="{9D8B030D-6E8A-4147-A177-3AD203B41FA5}">
-                      <a16:colId xmlns:a16="http://schemas.microsoft.com/office/drawing/2014/main" val="61416092"/>
-                    </a:ext>
-                  </a:extLst>
-                </a:gridCol>
-              </a:tblGrid>
-              <a:tr h="367092">
-                <a:tc>
-                  <a:txBody>
-                    <a:bodyPr/>
-                    <a:lstStyle/>
-                    <a:p>
-                      <a:pPr latinLnBrk="1"/>
-                      <a:endParaRPr lang="ko-KR" altLang="en-US"/>
-                    </a:p>
-                  </a:txBody>
-                  <a:tcPr/>
-                </a:tc>
-                <a:tc>
-                  <a:txBody>
-                    <a:bodyPr/>
-                    <a:lstStyle/>
-                    <a:p>
-                      <a:pPr latinLnBrk="1"/>
-                      <a:r>
-                        <a:rPr lang="ko-KR" altLang="en-US" dirty="0"/>
-                        <a:t>자동 평가</a:t>
-                      </a:r>
-                    </a:p>
-                  </a:txBody>
-                  <a:tcPr/>
-                </a:tc>
-                <a:tc>
-                  <a:txBody>
-                    <a:bodyPr/>
-                    <a:lstStyle/>
-                    <a:p>
-                      <a:pPr latinLnBrk="1"/>
-                      <a:r>
-                        <a:rPr lang="ko-KR" altLang="en-US" dirty="0"/>
-                        <a:t>인간 평가</a:t>
-                      </a:r>
-                    </a:p>
-                  </a:txBody>
-                  <a:tcPr/>
-                </a:tc>
-                <a:extLst>
-                  <a:ext uri="{0D108BD9-81ED-4DB2-BD59-A6C34878D82A}">
-                    <a16:rowId xmlns:a16="http://schemas.microsoft.com/office/drawing/2014/main" val="3223154877"/>
-                  </a:ext>
-                </a:extLst>
-              </a:tr>
-              <a:tr h="942370">
-                <a:tc>
-                  <a:txBody>
-                    <a:bodyPr/>
-                    <a:lstStyle/>
-                    <a:p>
-                      <a:pPr latinLnBrk="1"/>
-                      <a:r>
-                        <a:rPr lang="ko-KR" altLang="en-US" dirty="0"/>
-                        <a:t>정확성 평가</a:t>
-                      </a:r>
-                    </a:p>
-                  </a:txBody>
-                  <a:tcPr/>
-                </a:tc>
-                <a:tc>
-                  <a:txBody>
-                    <a:bodyPr/>
-                    <a:lstStyle/>
-                    <a:p>
-                      <a:pPr marL="0" indent="0" latinLnBrk="1">
-                        <a:buFontTx/>
-                        <a:buNone/>
-                      </a:pPr>
-                      <a:r>
-                        <a:rPr lang="ko-KR" altLang="en-US" sz="1800" b="0" i="0" kern="1200" dirty="0">
-                          <a:solidFill>
-                            <a:schemeClr val="dk1"/>
-                          </a:solidFill>
-                          <a:effectLst/>
-                          <a:latin typeface="+mn-lt"/>
-                          <a:ea typeface="+mn-ea"/>
-                          <a:cs typeface="+mn-cs"/>
-                        </a:rPr>
-                        <a:t>정밀도</a:t>
-                      </a:r>
-                      <a:r>
-                        <a:rPr lang="en-US" altLang="ko-KR" sz="1800" b="0" i="0" kern="1200" dirty="0">
-                          <a:solidFill>
-                            <a:schemeClr val="dk1"/>
-                          </a:solidFill>
-                          <a:effectLst/>
-                          <a:latin typeface="+mn-lt"/>
-                          <a:ea typeface="+mn-ea"/>
-                          <a:cs typeface="+mn-cs"/>
-                        </a:rPr>
-                        <a:t>(precision), </a:t>
-                      </a:r>
-                      <a:r>
-                        <a:rPr lang="ko-KR" altLang="en-US" sz="1800" b="0" i="0" kern="1200" dirty="0" err="1">
-                          <a:solidFill>
-                            <a:schemeClr val="dk1"/>
-                          </a:solidFill>
-                          <a:effectLst/>
-                          <a:latin typeface="+mn-lt"/>
-                          <a:ea typeface="+mn-ea"/>
-                          <a:cs typeface="+mn-cs"/>
-                        </a:rPr>
-                        <a:t>재현율</a:t>
-                      </a:r>
-                      <a:r>
-                        <a:rPr lang="en-US" altLang="ko-KR" sz="1800" b="0" i="0" kern="1200" dirty="0">
-                          <a:solidFill>
-                            <a:schemeClr val="dk1"/>
-                          </a:solidFill>
-                          <a:effectLst/>
-                          <a:latin typeface="+mn-lt"/>
-                          <a:ea typeface="+mn-ea"/>
-                          <a:cs typeface="+mn-cs"/>
-                        </a:rPr>
-                        <a:t>(recall), F1-score</a:t>
-                      </a:r>
-                      <a:endParaRPr lang="ko-KR" altLang="en-US" sz="1600" dirty="0"/>
-                    </a:p>
-                  </a:txBody>
-                  <a:tcPr/>
-                </a:tc>
-                <a:tc>
-                  <a:txBody>
-                    <a:bodyPr/>
-                    <a:lstStyle/>
-                    <a:p>
-                      <a:pPr marL="0" indent="0" latinLnBrk="1">
-                        <a:buFontTx/>
-                        <a:buNone/>
-                      </a:pPr>
-                      <a:r>
-                        <a:rPr lang="ko-KR" altLang="en-US" sz="1800" b="0" i="0" kern="1200" dirty="0">
-                          <a:solidFill>
-                            <a:schemeClr val="dk1"/>
-                          </a:solidFill>
-                          <a:effectLst/>
-                          <a:latin typeface="+mn-lt"/>
-                          <a:ea typeface="+mn-ea"/>
-                          <a:cs typeface="+mn-cs"/>
-                        </a:rPr>
-                        <a:t>유용성</a:t>
-                      </a:r>
-                      <a:r>
-                        <a:rPr lang="en-US" altLang="ko-KR" sz="1800" b="0" i="0" kern="1200" dirty="0">
-                          <a:solidFill>
-                            <a:schemeClr val="dk1"/>
-                          </a:solidFill>
-                          <a:effectLst/>
-                          <a:latin typeface="+mn-lt"/>
-                          <a:ea typeface="+mn-ea"/>
-                          <a:cs typeface="+mn-cs"/>
-                        </a:rPr>
-                        <a:t>, </a:t>
-                      </a:r>
-                      <a:r>
-                        <a:rPr lang="ko-KR" altLang="en-US" sz="1800" b="0" i="0" kern="1200" dirty="0">
-                          <a:solidFill>
-                            <a:schemeClr val="dk1"/>
-                          </a:solidFill>
-                          <a:effectLst/>
-                          <a:latin typeface="+mn-lt"/>
-                          <a:ea typeface="+mn-ea"/>
-                          <a:cs typeface="+mn-cs"/>
-                        </a:rPr>
-                        <a:t>적합성 판단</a:t>
-                      </a:r>
-                      <a:endParaRPr lang="ko-KR" altLang="en-US" sz="1600" dirty="0"/>
-                    </a:p>
-                  </a:txBody>
-                  <a:tcPr/>
-                </a:tc>
-                <a:extLst>
-                  <a:ext uri="{0D108BD9-81ED-4DB2-BD59-A6C34878D82A}">
-                    <a16:rowId xmlns:a16="http://schemas.microsoft.com/office/drawing/2014/main" val="2053555026"/>
-                  </a:ext>
-                </a:extLst>
-              </a:tr>
-              <a:tr h="942370">
-                <a:tc>
-                  <a:txBody>
-                    <a:bodyPr/>
-                    <a:lstStyle/>
-                    <a:p>
-                      <a:pPr latinLnBrk="1"/>
-                      <a:r>
-                        <a:rPr lang="ko-KR" altLang="en-US" dirty="0"/>
-                        <a:t>다양성 평가</a:t>
-                      </a:r>
-                    </a:p>
-                  </a:txBody>
-                  <a:tcPr/>
-                </a:tc>
-                <a:tc>
-                  <a:txBody>
-                    <a:bodyPr/>
-                    <a:lstStyle/>
-                    <a:p>
-                      <a:pPr marL="0" indent="0" latinLnBrk="1">
-                        <a:buFontTx/>
-                        <a:buNone/>
-                      </a:pPr>
-                      <a:r>
-                        <a:rPr lang="en-US" altLang="ko-KR" sz="1800" b="0" i="0" kern="1200" dirty="0">
-                          <a:solidFill>
-                            <a:schemeClr val="dk1"/>
-                          </a:solidFill>
-                          <a:effectLst/>
-                          <a:latin typeface="+mn-lt"/>
-                          <a:ea typeface="+mn-ea"/>
-                          <a:cs typeface="+mn-cs"/>
-                        </a:rPr>
-                        <a:t>TF-IDF, cosine similarity </a:t>
-                      </a:r>
-                      <a:r>
-                        <a:rPr lang="ko-KR" altLang="en-US" sz="1800" b="0" i="0" kern="1200" dirty="0">
-                          <a:solidFill>
-                            <a:schemeClr val="dk1"/>
-                          </a:solidFill>
-                          <a:effectLst/>
-                          <a:latin typeface="+mn-lt"/>
-                          <a:ea typeface="+mn-ea"/>
-                          <a:cs typeface="+mn-cs"/>
-                        </a:rPr>
-                        <a:t>등의 다양성 지표</a:t>
-                      </a:r>
-                      <a:endParaRPr lang="ko-KR" altLang="en-US" sz="1600" dirty="0"/>
-                    </a:p>
-                  </a:txBody>
-                  <a:tcPr/>
-                </a:tc>
-                <a:tc>
-                  <a:txBody>
-                    <a:bodyPr/>
-                    <a:lstStyle/>
-                    <a:p>
-                      <a:pPr marL="0" indent="0" latinLnBrk="1">
-                        <a:buFontTx/>
-                        <a:buNone/>
-                      </a:pPr>
-                      <a:r>
-                        <a:rPr lang="ko-KR" altLang="en-US" sz="1800" b="0" i="0" kern="1200" dirty="0">
-                          <a:solidFill>
-                            <a:schemeClr val="dk1"/>
-                          </a:solidFill>
-                          <a:effectLst/>
-                          <a:latin typeface="+mn-lt"/>
-                          <a:ea typeface="+mn-ea"/>
-                          <a:cs typeface="+mn-cs"/>
-                        </a:rPr>
-                        <a:t>사람이 직접 추출된 키워드를 평가하여 다양성 평가</a:t>
-                      </a:r>
-                      <a:endParaRPr lang="ko-KR" altLang="en-US" sz="1600" dirty="0"/>
-                    </a:p>
-                  </a:txBody>
-                  <a:tcPr/>
-                </a:tc>
-                <a:extLst>
-                  <a:ext uri="{0D108BD9-81ED-4DB2-BD59-A6C34878D82A}">
-                    <a16:rowId xmlns:a16="http://schemas.microsoft.com/office/drawing/2014/main" val="1327547084"/>
-                  </a:ext>
-                </a:extLst>
-              </a:tr>
-            </a:tbl>
-          </a:graphicData>
-        </a:graphic>
-      </p:graphicFrame>
+              <a:t>데이터 셋</a:t>
+            </a:r>
+          </a:p>
+        </p:txBody>
+      </p:sp>
     </p:spTree>
     <p:extLst>
       <p:ext uri="{BB962C8B-B14F-4D97-AF65-F5344CB8AC3E}">
-        <p14:creationId xmlns:p14="http://schemas.microsoft.com/office/powerpoint/2010/main" val="3492564818"/>
+        <p14:creationId xmlns:p14="http://schemas.microsoft.com/office/powerpoint/2010/main" val="2904377604"/>
       </p:ext>
     </p:extLst>
   </p:cSld>

--- a/ppt/0223_2조_나현희_신원철 - 복사본.pptx
+++ b/ppt/0223_2조_나현희_신원철 - 복사본.pptx
@@ -222,7 +222,7 @@
             <a:fld id="{01015650-063C-455C-8B59-3D8A2C6803D6}" type="datetimeFigureOut">
               <a:rPr lang="ko-KR" altLang="en-US" smtClean="0"/>
               <a:pPr/>
-              <a:t>2023-02-27</a:t>
+              <a:t>2023-03-02</a:t>
             </a:fld>
             <a:endParaRPr lang="ko-KR" altLang="en-US"/>
           </a:p>
@@ -1464,7 +1464,7 @@
             <a:fld id="{7C350D00-E9DF-4C32-8EF9-982D014E2409}" type="datetimeFigureOut">
               <a:rPr lang="ko-KR" altLang="en-US" smtClean="0"/>
               <a:pPr/>
-              <a:t>2023-02-27</a:t>
+              <a:t>2023-03-02</a:t>
             </a:fld>
             <a:endParaRPr lang="ko-KR" altLang="en-US"/>
           </a:p>
@@ -1629,7 +1629,7 @@
             <a:fld id="{7C350D00-E9DF-4C32-8EF9-982D014E2409}" type="datetimeFigureOut">
               <a:rPr lang="ko-KR" altLang="en-US" smtClean="0"/>
               <a:pPr/>
-              <a:t>2023-02-27</a:t>
+              <a:t>2023-03-02</a:t>
             </a:fld>
             <a:endParaRPr lang="ko-KR" altLang="en-US"/>
           </a:p>
@@ -1804,7 +1804,7 @@
             <a:fld id="{7C350D00-E9DF-4C32-8EF9-982D014E2409}" type="datetimeFigureOut">
               <a:rPr lang="ko-KR" altLang="en-US" smtClean="0"/>
               <a:pPr/>
-              <a:t>2023-02-27</a:t>
+              <a:t>2023-03-02</a:t>
             </a:fld>
             <a:endParaRPr lang="ko-KR" altLang="en-US"/>
           </a:p>
@@ -1969,7 +1969,7 @@
             <a:fld id="{7C350D00-E9DF-4C32-8EF9-982D014E2409}" type="datetimeFigureOut">
               <a:rPr lang="ko-KR" altLang="en-US" smtClean="0"/>
               <a:pPr/>
-              <a:t>2023-02-27</a:t>
+              <a:t>2023-03-02</a:t>
             </a:fld>
             <a:endParaRPr lang="ko-KR" altLang="en-US"/>
           </a:p>
@@ -2211,7 +2211,7 @@
             <a:fld id="{7C350D00-E9DF-4C32-8EF9-982D014E2409}" type="datetimeFigureOut">
               <a:rPr lang="ko-KR" altLang="en-US" smtClean="0"/>
               <a:pPr/>
-              <a:t>2023-02-27</a:t>
+              <a:t>2023-03-02</a:t>
             </a:fld>
             <a:endParaRPr lang="ko-KR" altLang="en-US"/>
           </a:p>
@@ -2493,7 +2493,7 @@
             <a:fld id="{7C350D00-E9DF-4C32-8EF9-982D014E2409}" type="datetimeFigureOut">
               <a:rPr lang="ko-KR" altLang="en-US" smtClean="0"/>
               <a:pPr/>
-              <a:t>2023-02-27</a:t>
+              <a:t>2023-03-02</a:t>
             </a:fld>
             <a:endParaRPr lang="ko-KR" altLang="en-US"/>
           </a:p>
@@ -2914,7 +2914,7 @@
             <a:fld id="{7C350D00-E9DF-4C32-8EF9-982D014E2409}" type="datetimeFigureOut">
               <a:rPr lang="ko-KR" altLang="en-US" smtClean="0"/>
               <a:pPr/>
-              <a:t>2023-02-27</a:t>
+              <a:t>2023-03-02</a:t>
             </a:fld>
             <a:endParaRPr lang="ko-KR" altLang="en-US"/>
           </a:p>
@@ -3028,7 +3028,7 @@
             <a:fld id="{7C350D00-E9DF-4C32-8EF9-982D014E2409}" type="datetimeFigureOut">
               <a:rPr lang="ko-KR" altLang="en-US" smtClean="0"/>
               <a:pPr/>
-              <a:t>2023-02-27</a:t>
+              <a:t>2023-03-02</a:t>
             </a:fld>
             <a:endParaRPr lang="ko-KR" altLang="en-US"/>
           </a:p>
@@ -3120,7 +3120,7 @@
             <a:fld id="{7C350D00-E9DF-4C32-8EF9-982D014E2409}" type="datetimeFigureOut">
               <a:rPr lang="ko-KR" altLang="en-US" smtClean="0"/>
               <a:pPr/>
-              <a:t>2023-02-27</a:t>
+              <a:t>2023-03-02</a:t>
             </a:fld>
             <a:endParaRPr lang="ko-KR" altLang="en-US"/>
           </a:p>
@@ -3392,7 +3392,7 @@
             <a:fld id="{7C350D00-E9DF-4C32-8EF9-982D014E2409}" type="datetimeFigureOut">
               <a:rPr lang="ko-KR" altLang="en-US" smtClean="0"/>
               <a:pPr/>
-              <a:t>2023-02-27</a:t>
+              <a:t>2023-03-02</a:t>
             </a:fld>
             <a:endParaRPr lang="ko-KR" altLang="en-US"/>
           </a:p>
@@ -3641,7 +3641,7 @@
             <a:fld id="{7C350D00-E9DF-4C32-8EF9-982D014E2409}" type="datetimeFigureOut">
               <a:rPr lang="ko-KR" altLang="en-US" smtClean="0"/>
               <a:pPr/>
-              <a:t>2023-02-27</a:t>
+              <a:t>2023-03-02</a:t>
             </a:fld>
             <a:endParaRPr lang="ko-KR" altLang="en-US"/>
           </a:p>
@@ -3849,7 +3849,7 @@
             <a:fld id="{7C350D00-E9DF-4C32-8EF9-982D014E2409}" type="datetimeFigureOut">
               <a:rPr lang="ko-KR" altLang="en-US" smtClean="0"/>
               <a:pPr/>
-              <a:t>2023-02-27</a:t>
+              <a:t>2023-03-02</a:t>
             </a:fld>
             <a:endParaRPr lang="ko-KR" altLang="en-US"/>
           </a:p>
